--- a/Documentation/Slides.pptx
+++ b/Documentation/Slides.pptx
@@ -209,7 +209,7 @@
           <a:p>
             <a:fld id="{2659049E-3D54-45B5-BF3B-BFF758B9E782}" type="datetimeFigureOut">
               <a:rPr lang="es-ES" smtClean="0"/>
-              <a:t>02/04/2020</a:t>
+              <a:t>06/04/2020</a:t>
             </a:fld>
             <a:endParaRPr lang="es-ES"/>
           </a:p>
@@ -639,7 +639,7 @@
           <a:p>
             <a:fld id="{79F67597-A808-470D-9C3B-8986C1B1D83E}" type="datetime1">
               <a:rPr lang="es-ES" smtClean="0"/>
-              <a:t>02/04/2020</a:t>
+              <a:t>06/04/2020</a:t>
             </a:fld>
             <a:endParaRPr lang="en-US" dirty="0"/>
           </a:p>
@@ -809,7 +809,7 @@
           <a:p>
             <a:fld id="{45E67A7F-3E90-4DEE-ABA2-4349680425A4}" type="datetime1">
               <a:rPr lang="es-ES" smtClean="0"/>
-              <a:t>02/04/2020</a:t>
+              <a:t>06/04/2020</a:t>
             </a:fld>
             <a:endParaRPr lang="en-US" dirty="0"/>
           </a:p>
@@ -988,7 +988,7 @@
           <a:p>
             <a:fld id="{956FAC87-166E-4700-A6EE-A9D673E17862}" type="datetime1">
               <a:rPr lang="es-ES" smtClean="0"/>
-              <a:t>02/04/2020</a:t>
+              <a:t>06/04/2020</a:t>
             </a:fld>
             <a:endParaRPr lang="en-US" dirty="0"/>
           </a:p>
@@ -1157,7 +1157,7 @@
           <a:p>
             <a:fld id="{F7E0107D-9A2E-420A-9771-9531B6747518}" type="datetime1">
               <a:rPr lang="es-ES" smtClean="0"/>
-              <a:t>02/04/2020</a:t>
+              <a:t>06/04/2020</a:t>
             </a:fld>
             <a:endParaRPr lang="en-US" dirty="0"/>
           </a:p>
@@ -1425,7 +1425,7 @@
           <a:p>
             <a:fld id="{D6A998AD-BA56-4601-ADD0-168D7FDC0833}" type="datetime1">
               <a:rPr lang="es-ES" smtClean="0"/>
-              <a:t>02/04/2020</a:t>
+              <a:t>06/04/2020</a:t>
             </a:fld>
             <a:endParaRPr lang="en-US" dirty="0"/>
           </a:p>
@@ -1657,7 +1657,7 @@
           <a:p>
             <a:fld id="{4D147294-565C-4953-9CC7-4A067F6F52DD}" type="datetime1">
               <a:rPr lang="es-ES" smtClean="0"/>
-              <a:t>02/04/2020</a:t>
+              <a:t>06/04/2020</a:t>
             </a:fld>
             <a:endParaRPr lang="en-US" dirty="0"/>
           </a:p>
@@ -2015,7 +2015,7 @@
           <a:p>
             <a:fld id="{759E0006-9A45-4051-8AFD-33BE22C7389B}" type="datetime1">
               <a:rPr lang="es-ES" smtClean="0"/>
-              <a:t>02/04/2020</a:t>
+              <a:t>06/04/2020</a:t>
             </a:fld>
             <a:endParaRPr lang="en-US" dirty="0"/>
           </a:p>
@@ -2155,7 +2155,7 @@
           <a:p>
             <a:fld id="{A52C6132-50E9-4552-8249-BEC9739D039C}" type="datetime1">
               <a:rPr lang="es-ES" smtClean="0"/>
-              <a:t>02/04/2020</a:t>
+              <a:t>06/04/2020</a:t>
             </a:fld>
             <a:endParaRPr lang="en-US" dirty="0"/>
           </a:p>
@@ -2249,7 +2249,7 @@
           <a:p>
             <a:fld id="{6EE3EF1E-522D-43E1-B5E9-4276689B6883}" type="datetime1">
               <a:rPr lang="es-ES" smtClean="0"/>
-              <a:t>02/04/2020</a:t>
+              <a:t>06/04/2020</a:t>
             </a:fld>
             <a:endParaRPr lang="en-US" dirty="0"/>
           </a:p>
@@ -2605,7 +2605,7 @@
           <a:p>
             <a:fld id="{06EEB562-F548-40A7-A326-95AA78E482DD}" type="datetime1">
               <a:rPr lang="es-ES" smtClean="0"/>
-              <a:t>02/04/2020</a:t>
+              <a:t>06/04/2020</a:t>
             </a:fld>
             <a:endParaRPr lang="en-US" dirty="0"/>
           </a:p>
@@ -2961,7 +2961,7 @@
           <a:p>
             <a:fld id="{30348CF9-83E1-4670-9F47-3DC6624BF3FF}" type="datetime1">
               <a:rPr lang="es-ES" smtClean="0"/>
-              <a:t>02/04/2020</a:t>
+              <a:t>06/04/2020</a:t>
             </a:fld>
             <a:endParaRPr lang="en-US" dirty="0"/>
           </a:p>
@@ -3202,7 +3202,7 @@
           <a:p>
             <a:fld id="{595C58D6-414F-4212-92B8-03D002C09538}" type="datetime1">
               <a:rPr lang="es-ES" smtClean="0"/>
-              <a:t>02/04/2020</a:t>
+              <a:t>06/04/2020</a:t>
             </a:fld>
             <a:endParaRPr lang="en-US" dirty="0"/>
           </a:p>
@@ -3697,14 +3697,14 @@
           <a:lstStyle/>
           <a:p>
             <a:r>
-              <a:rPr lang="es-ES" dirty="0"/>
+              <a:rPr lang="en-GB" dirty="0"/>
               <a:t>HALE </a:t>
             </a:r>
             <a:r>
-              <a:rPr lang="es-ES" dirty="0" err="1"/>
+              <a:rPr lang="en-GB" dirty="0" err="1"/>
               <a:t>Aeroecodesign</a:t>
             </a:r>
-            <a:endParaRPr lang="es-ES" dirty="0"/>
+            <a:endParaRPr lang="en-GB" dirty="0"/>
           </a:p>
         </p:txBody>
       </p:sp>
@@ -3737,7 +3737,7 @@
           <a:lstStyle/>
           <a:p>
             <a:r>
-              <a:rPr lang="es-ES" sz="2800" dirty="0">
+              <a:rPr lang="en-GB" sz="2800" dirty="0">
                 <a:solidFill>
                   <a:schemeClr val="bg1">
                     <a:lumMod val="85000"/>
@@ -3745,49 +3745,8 @@
                   </a:schemeClr>
                 </a:solidFill>
               </a:rPr>
-              <a:t>S2 – </a:t>
-            </a:r>
-            <a:r>
-              <a:rPr lang="es-ES" sz="2800" dirty="0" err="1">
-                <a:solidFill>
-                  <a:schemeClr val="bg1">
-                    <a:lumMod val="85000"/>
-                    <a:lumOff val="15000"/>
-                  </a:schemeClr>
-                </a:solidFill>
-              </a:rPr>
-              <a:t>Progress</a:t>
-            </a:r>
-            <a:r>
-              <a:rPr lang="es-ES" sz="2800" dirty="0">
-                <a:solidFill>
-                  <a:schemeClr val="bg1">
-                    <a:lumMod val="85000"/>
-                    <a:lumOff val="15000"/>
-                  </a:schemeClr>
-                </a:solidFill>
-              </a:rPr>
-              <a:t> </a:t>
-            </a:r>
-            <a:r>
-              <a:rPr lang="es-ES" sz="2800" dirty="0" err="1">
-                <a:solidFill>
-                  <a:schemeClr val="bg1">
-                    <a:lumMod val="85000"/>
-                    <a:lumOff val="15000"/>
-                  </a:schemeClr>
-                </a:solidFill>
-              </a:rPr>
-              <a:t>Repot</a:t>
-            </a:r>
-            <a:endParaRPr lang="es-ES" sz="2800" dirty="0">
-              <a:solidFill>
-                <a:schemeClr val="bg1">
-                  <a:lumMod val="85000"/>
-                  <a:lumOff val="15000"/>
-                </a:schemeClr>
-              </a:solidFill>
-            </a:endParaRPr>
+              <a:t>S2 – Progress Report</a:t>
+            </a:r>
           </a:p>
         </p:txBody>
       </p:sp>
@@ -4027,7 +3986,7 @@
           </a:lstStyle>
           <a:p>
             <a:r>
-              <a:rPr lang="es-ES" sz="2400" dirty="0">
+              <a:rPr lang="en-GB" sz="2400" dirty="0">
                 <a:solidFill>
                   <a:schemeClr val="bg1">
                     <a:lumMod val="85000"/>
@@ -4276,7 +4235,7 @@
           </a:lstStyle>
           <a:p>
             <a:r>
-              <a:rPr lang="es-ES" dirty="0" err="1">
+              <a:rPr lang="en-GB" dirty="0">
                 <a:solidFill>
                   <a:schemeClr val="bg1">
                     <a:lumMod val="85000"/>
@@ -4284,21 +4243,10 @@
                   </a:schemeClr>
                 </a:solidFill>
               </a:rPr>
-              <a:t>Tutors</a:t>
-            </a:r>
-            <a:r>
-              <a:rPr lang="es-ES" dirty="0">
-                <a:solidFill>
-                  <a:schemeClr val="bg1">
-                    <a:lumMod val="85000"/>
-                    <a:lumOff val="15000"/>
-                  </a:schemeClr>
-                </a:solidFill>
-              </a:rPr>
-              <a:t>: J. </a:t>
-            </a:r>
-            <a:r>
-              <a:rPr lang="es-ES" dirty="0" err="1">
+              <a:t>Tutors: J. </a:t>
+            </a:r>
+            <a:r>
+              <a:rPr lang="en-GB" dirty="0" err="1">
                 <a:solidFill>
                   <a:schemeClr val="bg1">
                     <a:lumMod val="85000"/>
@@ -4309,7 +4257,7 @@
               <a:t>Morlier</a:t>
             </a:r>
             <a:r>
-              <a:rPr lang="es-ES" dirty="0">
+              <a:rPr lang="en-GB" dirty="0">
                 <a:solidFill>
                   <a:schemeClr val="bg1">
                     <a:lumMod val="85000"/>
@@ -4320,7 +4268,7 @@
               <a:t> &amp; E. </a:t>
             </a:r>
             <a:r>
-              <a:rPr lang="es-ES" dirty="0" err="1">
+              <a:rPr lang="en-GB" dirty="0" err="1">
                 <a:solidFill>
                   <a:schemeClr val="bg1">
                     <a:lumMod val="85000"/>
@@ -4330,7 +4278,7 @@
               </a:rPr>
               <a:t>Duriez</a:t>
             </a:r>
-            <a:endParaRPr lang="es-ES" dirty="0">
+            <a:endParaRPr lang="en-GB" dirty="0">
               <a:solidFill>
                 <a:schemeClr val="bg1">
                   <a:lumMod val="85000"/>
@@ -4577,7 +4525,7 @@
           </a:lstStyle>
           <a:p>
             <a:r>
-              <a:rPr lang="es-ES" dirty="0">
+              <a:rPr lang="en-GB" dirty="0">
                 <a:solidFill>
                   <a:schemeClr val="bg1">
                     <a:lumMod val="85000"/>
@@ -4585,97 +4533,9 @@
                   </a:schemeClr>
                 </a:solidFill>
               </a:rPr>
-              <a:t>Master </a:t>
-            </a:r>
-            <a:r>
-              <a:rPr lang="es-ES" dirty="0" err="1">
-                <a:solidFill>
-                  <a:schemeClr val="bg1">
-                    <a:lumMod val="85000"/>
-                    <a:lumOff val="15000"/>
-                  </a:schemeClr>
-                </a:solidFill>
-              </a:rPr>
-              <a:t>of</a:t>
-            </a:r>
-            <a:r>
-              <a:rPr lang="es-ES" dirty="0">
-                <a:solidFill>
-                  <a:schemeClr val="bg1">
-                    <a:lumMod val="85000"/>
-                    <a:lumOff val="15000"/>
-                  </a:schemeClr>
-                </a:solidFill>
-              </a:rPr>
-              <a:t> </a:t>
-            </a:r>
-            <a:r>
-              <a:rPr lang="es-ES" dirty="0" err="1">
-                <a:solidFill>
-                  <a:schemeClr val="bg1">
-                    <a:lumMod val="85000"/>
-                    <a:lumOff val="15000"/>
-                  </a:schemeClr>
-                </a:solidFill>
-              </a:rPr>
-              <a:t>Aerospace</a:t>
-            </a:r>
-            <a:r>
-              <a:rPr lang="es-ES" dirty="0">
-                <a:solidFill>
-                  <a:schemeClr val="bg1">
-                    <a:lumMod val="85000"/>
-                    <a:lumOff val="15000"/>
-                  </a:schemeClr>
-                </a:solidFill>
-              </a:rPr>
-              <a:t> </a:t>
-            </a:r>
-            <a:r>
-              <a:rPr lang="es-ES" dirty="0" err="1">
-                <a:solidFill>
-                  <a:schemeClr val="bg1">
-                    <a:lumMod val="85000"/>
-                    <a:lumOff val="15000"/>
-                  </a:schemeClr>
-                </a:solidFill>
-              </a:rPr>
-              <a:t>Engineering</a:t>
-            </a:r>
-            <a:r>
-              <a:rPr lang="es-ES" dirty="0">
-                <a:solidFill>
-                  <a:schemeClr val="bg1">
-                    <a:lumMod val="85000"/>
-                    <a:lumOff val="15000"/>
-                  </a:schemeClr>
-                </a:solidFill>
-              </a:rPr>
-              <a:t> - </a:t>
-            </a:r>
-            <a:r>
-              <a:rPr lang="es-ES" dirty="0" err="1">
-                <a:solidFill>
-                  <a:schemeClr val="bg1">
-                    <a:lumMod val="85000"/>
-                    <a:lumOff val="15000"/>
-                  </a:schemeClr>
-                </a:solidFill>
-              </a:rPr>
-              <a:t>Research</a:t>
-            </a:r>
-            <a:r>
-              <a:rPr lang="es-ES" dirty="0">
-                <a:solidFill>
-                  <a:schemeClr val="bg1">
-                    <a:lumMod val="85000"/>
-                    <a:lumOff val="15000"/>
-                  </a:schemeClr>
-                </a:solidFill>
-              </a:rPr>
-              <a:t> Project</a:t>
-            </a:r>
-            <a:endParaRPr lang="es-ES" sz="2400" dirty="0">
+              <a:t>Master of Aerospace Engineering - Research Project</a:t>
+            </a:r>
+            <a:endParaRPr lang="en-GB" sz="2400" dirty="0">
               <a:solidFill>
                 <a:schemeClr val="bg1">
                   <a:lumMod val="85000"/>
@@ -4746,8 +4606,8 @@
           <a:chExt cx="0" cy="0"/>
         </a:xfrm>
       </p:grpSpPr>
-      <mc:AlternateContent xmlns:mc="http://schemas.openxmlformats.org/markup-compatibility/2006">
-        <mc:Choice xmlns:a14="http://schemas.microsoft.com/office/drawing/2010/main" Requires="a14">
+      <mc:AlternateContent xmlns:mc="http://schemas.openxmlformats.org/markup-compatibility/2006" xmlns:a14="http://schemas.microsoft.com/office/drawing/2010/main">
+        <mc:Choice Requires="a14">
           <p:sp>
             <p:nvSpPr>
               <p:cNvPr id="3" name="Marcador de contenido 2">
@@ -4767,7 +4627,7 @@
             <p:spPr>
               <a:xfrm>
                 <a:off x="561359" y="1853053"/>
-                <a:ext cx="7729728" cy="4054570"/>
+                <a:ext cx="7814014" cy="4054570"/>
               </a:xfrm>
             </p:spPr>
             <p:txBody>
@@ -4787,28 +4647,16 @@
                   </a:buClr>
                 </a:pPr>
                 <a:r>
-                  <a:rPr lang="en-US" dirty="0">
+                  <a:rPr lang="en-GB">
                     <a:latin typeface="Bahnschrift" panose="020B0502040204020203" pitchFamily="34" charset="0"/>
                   </a:rPr>
-                  <a:t>Currently   </a:t>
+                  <a:t>Currently   ➤   Skins as </a:t>
                 </a:r>
                 <a:r>
-                  <a:rPr lang="es-ES" dirty="0">
+                  <a:rPr lang="en-GB" dirty="0">
                     <a:latin typeface="Bahnschrift" panose="020B0502040204020203" pitchFamily="34" charset="0"/>
                   </a:rPr>
-                  <a:t>➤   S</a:t>
-                </a:r>
-                <a:r>
-                  <a:rPr lang="en-US" dirty="0" err="1">
-                    <a:latin typeface="Bahnschrift" panose="020B0502040204020203" pitchFamily="34" charset="0"/>
-                  </a:rPr>
-                  <a:t>kins</a:t>
-                </a:r>
-                <a:r>
-                  <a:rPr lang="en-US" dirty="0">
-                    <a:latin typeface="Bahnschrift" panose="020B0502040204020203" pitchFamily="34" charset="0"/>
-                  </a:rPr>
-                  <a:t> as rectangular flat plates under axial complexion </a:t>
+                  <a:t>rectangular flat plates under axial compression </a:t>
                 </a:r>
               </a:p>
               <a:p>
@@ -4823,7 +4671,7 @@
                   </a:buClr>
                 </a:pPr>
                 <a:r>
-                  <a:rPr lang="en-US" dirty="0">
+                  <a:rPr lang="en-GB">
                     <a:latin typeface="Bahnschrift" panose="020B0502040204020203" pitchFamily="34" charset="0"/>
                   </a:rPr>
                   <a:t>Consider curved plates </a:t>
@@ -4841,7 +4689,7 @@
                   </a:buClr>
                 </a:pPr>
                 <a:r>
-                  <a:rPr lang="en-US" dirty="0">
+                  <a:rPr lang="en-GB">
                     <a:latin typeface="Bahnschrift" panose="020B0502040204020203" pitchFamily="34" charset="0"/>
                   </a:rPr>
                   <a:t>Under combined axial compression and shear</a:t>
@@ -4859,11 +4707,14 @@
                   </a:buClr>
                 </a:pPr>
                 <a:r>
-                  <a:rPr lang="en-US" dirty="0">
+                  <a:rPr lang="en-GB">
                     <a:latin typeface="Bahnschrift" panose="020B0502040204020203" pitchFamily="34" charset="0"/>
                   </a:rPr>
                   <a:t>Parabolic interaction:</a:t>
                 </a:r>
+                <a:endParaRPr lang="en-GB" dirty="0">
+                  <a:latin typeface="Bahnschrift" panose="020B0502040204020203" pitchFamily="34" charset="0"/>
+                </a:endParaRPr>
               </a:p>
               <a:p>
                 <a:pPr marL="0" indent="0">
@@ -4883,14 +4734,14 @@
                       <m:sSubSup>
                         <m:sSubSupPr>
                           <m:ctrlPr>
-                            <a:rPr lang="en-US" sz="1600" i="1" smtClean="0">
+                            <a:rPr lang="en-GB" sz="1600" i="1" smtClean="0">
                               <a:latin typeface="Cambria Math" panose="02040503050406030204" pitchFamily="18" charset="0"/>
                             </a:rPr>
                           </m:ctrlPr>
                         </m:sSubSupPr>
                         <m:e>
                           <m:r>
-                            <a:rPr lang="es-ES" sz="1600" b="0" i="1" smtClean="0">
+                            <a:rPr lang="en-GB" sz="1600" b="0" i="1" smtClean="0">
                               <a:latin typeface="Cambria Math" panose="02040503050406030204" pitchFamily="18" charset="0"/>
                             </a:rPr>
                             <m:t>𝑅</m:t>
@@ -4898,7 +4749,7 @@
                         </m:e>
                         <m:sub>
                           <m:r>
-                            <a:rPr lang="es-ES" sz="1600" b="0" i="1" smtClean="0">
+                            <a:rPr lang="en-GB" sz="1600" b="0" i="1" smtClean="0">
                               <a:latin typeface="Cambria Math" panose="02040503050406030204" pitchFamily="18" charset="0"/>
                             </a:rPr>
                             <m:t>𝑆</m:t>
@@ -4906,7 +4757,7 @@
                         </m:sub>
                         <m:sup>
                           <m:r>
-                            <a:rPr lang="es-ES" sz="1600" b="0" i="1" smtClean="0">
+                            <a:rPr lang="en-GB" sz="1600" b="0" i="1" smtClean="0">
                               <a:latin typeface="Cambria Math" panose="02040503050406030204" pitchFamily="18" charset="0"/>
                             </a:rPr>
                             <m:t>2</m:t>
@@ -4914,7 +4765,7 @@
                         </m:sup>
                       </m:sSubSup>
                       <m:r>
-                        <a:rPr lang="es-ES" sz="1600" b="0" i="1" smtClean="0">
+                        <a:rPr lang="en-GB" sz="1600" b="0" i="1" smtClean="0">
                           <a:latin typeface="Cambria Math" panose="02040503050406030204" pitchFamily="18" charset="0"/>
                         </a:rPr>
                         <m:t>+</m:t>
@@ -4922,14 +4773,14 @@
                       <m:sSub>
                         <m:sSubPr>
                           <m:ctrlPr>
-                            <a:rPr lang="es-ES" sz="1600" b="0" i="1" smtClean="0">
+                            <a:rPr lang="en-GB" sz="1600" b="0" i="1" smtClean="0">
                               <a:latin typeface="Cambria Math" panose="02040503050406030204" pitchFamily="18" charset="0"/>
                             </a:rPr>
                           </m:ctrlPr>
                         </m:sSubPr>
                         <m:e>
                           <m:r>
-                            <a:rPr lang="es-ES" sz="1600" b="0" i="1" smtClean="0">
+                            <a:rPr lang="en-GB" sz="1600" b="0" i="1" smtClean="0">
                               <a:latin typeface="Cambria Math" panose="02040503050406030204" pitchFamily="18" charset="0"/>
                             </a:rPr>
                             <m:t>𝑅</m:t>
@@ -4937,7 +4788,7 @@
                         </m:e>
                         <m:sub>
                           <m:r>
-                            <a:rPr lang="es-ES" sz="1600" b="0" i="1" smtClean="0">
+                            <a:rPr lang="en-GB" sz="1600" b="0" i="1" smtClean="0">
                               <a:latin typeface="Cambria Math" panose="02040503050406030204" pitchFamily="18" charset="0"/>
                             </a:rPr>
                             <m:t>𝐶</m:t>
@@ -4945,7 +4796,7 @@
                         </m:sub>
                       </m:sSub>
                       <m:r>
-                        <a:rPr lang="es-ES" sz="1600" b="0" i="1" smtClean="0">
+                        <a:rPr lang="en-GB" sz="1600" b="0" i="1" smtClean="0">
                           <a:latin typeface="Cambria Math" panose="02040503050406030204" pitchFamily="18" charset="0"/>
                         </a:rPr>
                         <m:t>=1</m:t>
@@ -4953,7 +4804,7 @@
                     </m:oMath>
                   </m:oMathPara>
                 </a14:m>
-                <a:endParaRPr lang="en-US" sz="1600" dirty="0">
+                <a:endParaRPr lang="en-GB" sz="1600" dirty="0">
                   <a:latin typeface="Bahnschrift" panose="020B0502040204020203" pitchFamily="34" charset="0"/>
                 </a:endParaRPr>
               </a:p>
@@ -4967,64 +4818,64 @@
                   <a:buNone/>
                 </a:pPr>
                 <a:r>
-                  <a:rPr lang="en-US" dirty="0">
+                  <a:rPr lang="en-GB">
                     <a:latin typeface="Bahnschrift" panose="020B0502040204020203" pitchFamily="34" charset="0"/>
                   </a:rPr>
                   <a:t>	</a:t>
                 </a:r>
                 <a:r>
-                  <a:rPr lang="en-US" sz="1600" dirty="0">
+                  <a:rPr lang="en-GB" sz="1600">
                     <a:latin typeface="Bahnschrift" panose="020B0502040204020203" pitchFamily="34" charset="0"/>
                   </a:rPr>
                   <a:t>where </a:t>
                 </a:r>
                 <a:r>
-                  <a:rPr lang="en-US" sz="1600" dirty="0">
+                  <a:rPr lang="en-GB" sz="1600">
                     <a:latin typeface="Cambria" panose="02040503050406030204" pitchFamily="18" charset="0"/>
                     <a:ea typeface="Cambria" panose="02040503050406030204" pitchFamily="18" charset="0"/>
                   </a:rPr>
                   <a:t>R</a:t>
                 </a:r>
                 <a:r>
-                  <a:rPr lang="en-US" sz="1600" baseline="-25000" dirty="0">
+                  <a:rPr lang="en-GB" sz="1600" baseline="-25000">
                     <a:latin typeface="Cambria" panose="02040503050406030204" pitchFamily="18" charset="0"/>
                     <a:ea typeface="Cambria" panose="02040503050406030204" pitchFamily="18" charset="0"/>
                   </a:rPr>
                   <a:t>s</a:t>
                 </a:r>
                 <a:r>
-                  <a:rPr lang="en-US" sz="1600" dirty="0">
+                  <a:rPr lang="en-GB" sz="1600">
                     <a:latin typeface="Bahnschrift" panose="020B0502040204020203" pitchFamily="34" charset="0"/>
                   </a:rPr>
                   <a:t> and </a:t>
                 </a:r>
                 <a:r>
-                  <a:rPr lang="en-US" sz="1600" dirty="0">
+                  <a:rPr lang="en-GB" sz="1600">
                     <a:latin typeface="Cambria" panose="02040503050406030204" pitchFamily="18" charset="0"/>
                     <a:ea typeface="Cambria" panose="02040503050406030204" pitchFamily="18" charset="0"/>
                   </a:rPr>
                   <a:t>R</a:t>
                 </a:r>
                 <a:r>
-                  <a:rPr lang="en-US" sz="1600" baseline="-25000" dirty="0">
+                  <a:rPr lang="en-GB" sz="1600" baseline="-25000">
                     <a:latin typeface="Cambria" panose="02040503050406030204" pitchFamily="18" charset="0"/>
                     <a:ea typeface="Cambria" panose="02040503050406030204" pitchFamily="18" charset="0"/>
                   </a:rPr>
                   <a:t>C</a:t>
                 </a:r>
                 <a:r>
-                  <a:rPr lang="en-US" sz="1600" baseline="-25000" dirty="0">
+                  <a:rPr lang="en-GB" sz="1600" baseline="-25000">
                     <a:latin typeface="Bahnschrift" panose="020B0502040204020203" pitchFamily="34" charset="0"/>
                   </a:rPr>
                   <a:t> </a:t>
                 </a:r>
                 <a:r>
-                  <a:rPr lang="en-US" sz="1600" dirty="0">
+                  <a:rPr lang="en-GB" sz="1600">
                     <a:latin typeface="Bahnschrift" panose="020B0502040204020203" pitchFamily="34" charset="0"/>
                   </a:rPr>
                   <a:t>are the stress ratios for shear and compression </a:t>
                 </a:r>
-                <a:endParaRPr lang="en-US" dirty="0">
+                <a:endParaRPr lang="en-GB">
                   <a:latin typeface="Bahnschrift" panose="020B0502040204020203" pitchFamily="34" charset="0"/>
                 </a:endParaRPr>
               </a:p>
@@ -5040,16 +4891,22 @@
                   </a:buClr>
                 </a:pPr>
                 <a:r>
+                  <a:rPr lang="en-GB">
+                    <a:latin typeface="Bahnschrift" panose="020B0502040204020203" pitchFamily="34" charset="0"/>
+                  </a:rPr>
+                  <a:t>Use </a:t>
+                </a:r>
+                <a:r>
                   <a:rPr lang="en-GB" dirty="0">
                     <a:latin typeface="Bahnschrift" panose="020B0502040204020203" pitchFamily="34" charset="0"/>
                   </a:rPr>
-                  <a:t>Use of empirical data [3]</a:t>
+                  <a:t>of empirical data [3]</a:t>
                 </a:r>
               </a:p>
             </p:txBody>
           </p:sp>
         </mc:Choice>
-        <mc:Fallback>
+        <mc:Fallback xmlns="">
           <p:sp>
             <p:nvSpPr>
               <p:cNvPr id="3" name="Marcador de contenido 2">
@@ -5069,12 +4926,12 @@
             <p:spPr>
               <a:xfrm>
                 <a:off x="561359" y="1853053"/>
-                <a:ext cx="7729728" cy="4054570"/>
+                <a:ext cx="7814014" cy="4054570"/>
               </a:xfrm>
               <a:blipFill>
                 <a:blip r:embed="rId2"/>
                 <a:stretch>
-                  <a:fillRect l="-473" r="-237"/>
+                  <a:fillRect l="-468" r="-1092"/>
                 </a:stretch>
               </a:blipFill>
             </p:spPr>
@@ -5127,9 +4984,10 @@
           <a:lstStyle/>
           <a:p>
             <a:r>
-              <a:rPr lang="en-US" sz="2000" dirty="0"/>
+              <a:rPr lang="en-GB" sz="2000"/>
               <a:t>Task 5: Introduce a more complex buckling model</a:t>
             </a:r>
+            <a:endParaRPr lang="en-GB" sz="2000" dirty="0"/>
           </a:p>
         </p:txBody>
       </p:sp>
@@ -5388,7 +5246,7 @@
               <a:defRPr/>
             </a:pPr>
             <a:r>
-              <a:rPr kumimoji="0" lang="es-ES" sz="1600" b="0" i="0" u="none" strike="noStrike" kern="1200" cap="none" spc="0" normalizeH="0" baseline="0" noProof="0" dirty="0">
+              <a:rPr kumimoji="0" lang="en-GB" sz="1600" b="0" i="0" u="none" strike="noStrike" kern="1200" cap="none" spc="0" normalizeH="0" baseline="0" noProof="0">
                 <a:ln>
                   <a:noFill/>
                 </a:ln>
@@ -5407,6 +5265,23 @@
               </a:rPr>
               <a:t>Víctor M. GUADAÑO MARTÍN</a:t>
             </a:r>
+            <a:endParaRPr kumimoji="0" lang="en-GB" sz="1600" b="0" i="0" u="none" strike="noStrike" kern="1200" cap="none" spc="0" normalizeH="0" baseline="0" noProof="0" dirty="0">
+              <a:ln>
+                <a:noFill/>
+              </a:ln>
+              <a:solidFill>
+                <a:srgbClr val="000000">
+                  <a:lumMod val="85000"/>
+                  <a:lumOff val="15000"/>
+                </a:srgbClr>
+              </a:solidFill>
+              <a:effectLst/>
+              <a:uLnTx/>
+              <a:uFillTx/>
+              <a:latin typeface="Gill Sans MT" panose="020B0502020104020203"/>
+              <a:ea typeface="+mn-ea"/>
+              <a:cs typeface="+mn-cs"/>
+            </a:endParaRPr>
           </a:p>
         </p:txBody>
       </p:sp>
@@ -5432,11 +5307,11 @@
           <a:lstStyle/>
           <a:p>
             <a:fld id="{8A7A6979-0714-4377-B894-6BE4C2D6E202}" type="slidenum">
-              <a:rPr lang="en-US" smtClean="0"/>
+              <a:rPr lang="en-GB" smtClean="0"/>
               <a:pPr/>
               <a:t>10</a:t>
             </a:fld>
-            <a:endParaRPr lang="en-US" dirty="0"/>
+            <a:endParaRPr lang="en-GB" dirty="0"/>
           </a:p>
         </p:txBody>
       </p:sp>
@@ -5739,7 +5614,7 @@
               <a:defRPr/>
             </a:pPr>
             <a:r>
-              <a:rPr lang="es-ES" sz="1600" dirty="0">
+              <a:rPr lang="en-GB" sz="1600">
                 <a:solidFill>
                   <a:srgbClr val="000000">
                     <a:lumMod val="85000"/>
@@ -5750,7 +5625,7 @@
               </a:rPr>
               <a:t>HALE AEROECODESIGN</a:t>
             </a:r>
-            <a:endParaRPr kumimoji="0" lang="es-ES" sz="1600" b="0" i="0" u="none" strike="noStrike" kern="1200" cap="none" spc="0" normalizeH="0" baseline="0" noProof="0" dirty="0">
+            <a:endParaRPr kumimoji="0" lang="en-GB" sz="1600" b="0" i="0" u="none" strike="noStrike" kern="1200" cap="none" spc="0" normalizeH="0" baseline="0" noProof="0" dirty="0">
               <a:ln>
                 <a:noFill/>
               </a:ln>
@@ -6013,7 +5888,7 @@
               <a:buNone/>
             </a:pPr>
             <a:r>
-              <a:rPr lang="en-US" sz="1400" dirty="0">
+              <a:rPr lang="en-GB" sz="1400">
                 <a:solidFill>
                   <a:schemeClr val="tx1">
                     <a:lumMod val="65000"/>
@@ -6279,7 +6154,7 @@
               <a:buNone/>
             </a:pPr>
             <a:r>
-              <a:rPr lang="en-US" sz="1400" dirty="0">
+              <a:rPr lang="en-GB" sz="1400">
                 <a:solidFill>
                   <a:schemeClr val="tx1">
                     <a:lumMod val="65000"/>
@@ -6586,7 +6461,7 @@
               <a:buNone/>
             </a:pPr>
             <a:r>
-              <a:rPr lang="en-US" sz="1400" dirty="0">
+              <a:rPr lang="en-GB" sz="1400">
                 <a:latin typeface="Bahnschrift" panose="020B0502040204020203" pitchFamily="34" charset="0"/>
               </a:rPr>
               <a:t>Fig. 4: Comparison of test data with parabolic interaction curves for curved plates under combined shear and axial compression [3]</a:t>
@@ -6661,9 +6536,10 @@
           <a:lstStyle/>
           <a:p>
             <a:r>
-              <a:rPr lang="en-US" sz="2000" dirty="0"/>
+              <a:rPr lang="en-GB" sz="2000"/>
               <a:t>Task 6: Add engines as point masses</a:t>
             </a:r>
+            <a:endParaRPr lang="en-GB" sz="2000" dirty="0"/>
           </a:p>
         </p:txBody>
       </p:sp>
@@ -6706,86 +6582,11 @@
               </a:buClr>
             </a:pPr>
             <a:r>
-              <a:rPr lang="en-US" dirty="0">
+              <a:rPr lang="en-GB">
                 <a:latin typeface="Bahnschrift" panose="020B0502040204020203" pitchFamily="34" charset="0"/>
               </a:rPr>
-              <a:t>Currently   </a:t>
-            </a:r>
-            <a:r>
-              <a:rPr lang="es-ES" dirty="0">
-                <a:latin typeface="Bahnschrift" panose="020B0502040204020203" pitchFamily="34" charset="0"/>
-              </a:rPr>
-              <a:t>➤   </a:t>
-            </a:r>
-            <a:r>
-              <a:rPr lang="es-ES" dirty="0" err="1">
-                <a:latin typeface="Bahnschrift" panose="020B0502040204020203" pitchFamily="34" charset="0"/>
-              </a:rPr>
-              <a:t>Propulsion</a:t>
-            </a:r>
-            <a:r>
-              <a:rPr lang="es-ES" dirty="0">
-                <a:latin typeface="Bahnschrift" panose="020B0502040204020203" pitchFamily="34" charset="0"/>
-              </a:rPr>
-              <a:t> </a:t>
-            </a:r>
-            <a:r>
-              <a:rPr lang="es-ES" dirty="0" err="1">
-                <a:latin typeface="Bahnschrift" panose="020B0502040204020203" pitchFamily="34" charset="0"/>
-              </a:rPr>
-              <a:t>mass</a:t>
-            </a:r>
-            <a:r>
-              <a:rPr lang="es-ES" dirty="0">
-                <a:latin typeface="Bahnschrift" panose="020B0502040204020203" pitchFamily="34" charset="0"/>
-              </a:rPr>
-              <a:t> in </a:t>
-            </a:r>
-            <a:r>
-              <a:rPr lang="es-ES" dirty="0" err="1">
-                <a:latin typeface="Bahnschrift" panose="020B0502040204020203" pitchFamily="34" charset="0"/>
-              </a:rPr>
-              <a:t>the</a:t>
-            </a:r>
-            <a:r>
-              <a:rPr lang="es-ES" dirty="0">
-                <a:latin typeface="Bahnschrift" panose="020B0502040204020203" pitchFamily="34" charset="0"/>
-              </a:rPr>
-              <a:t> </a:t>
-            </a:r>
-            <a:r>
-              <a:rPr lang="es-ES" dirty="0" err="1">
-                <a:latin typeface="Bahnschrift" panose="020B0502040204020203" pitchFamily="34" charset="0"/>
-              </a:rPr>
-              <a:t>plane</a:t>
-            </a:r>
-            <a:r>
-              <a:rPr lang="es-ES" dirty="0">
-                <a:latin typeface="Bahnschrift" panose="020B0502040204020203" pitchFamily="34" charset="0"/>
-              </a:rPr>
-              <a:t> </a:t>
-            </a:r>
-            <a:r>
-              <a:rPr lang="es-ES" dirty="0" err="1">
-                <a:latin typeface="Bahnschrift" panose="020B0502040204020203" pitchFamily="34" charset="0"/>
-              </a:rPr>
-              <a:t>of</a:t>
-            </a:r>
-            <a:r>
-              <a:rPr lang="es-ES" dirty="0">
-                <a:latin typeface="Bahnschrift" panose="020B0502040204020203" pitchFamily="34" charset="0"/>
-              </a:rPr>
-              <a:t> </a:t>
-            </a:r>
-            <a:r>
-              <a:rPr lang="es-ES" dirty="0" err="1">
-                <a:latin typeface="Bahnschrift" panose="020B0502040204020203" pitchFamily="34" charset="0"/>
-              </a:rPr>
-              <a:t>symmetry</a:t>
-            </a:r>
-            <a:endParaRPr lang="en-US" dirty="0">
-              <a:latin typeface="Bahnschrift" panose="020B0502040204020203" pitchFamily="34" charset="0"/>
-            </a:endParaRPr>
+              <a:t>Currently   ➤   Propulsion mass in the plane of symmetry</a:t>
+            </a:r>
           </a:p>
           <a:p>
             <a:pPr>
@@ -6799,10 +6600,16 @@
               </a:buClr>
             </a:pPr>
             <a:r>
+              <a:rPr lang="en-GB">
+                <a:latin typeface="Bahnschrift" panose="020B0502040204020203" pitchFamily="34" charset="0"/>
+              </a:rPr>
+              <a:t>Already </a:t>
+            </a:r>
+            <a:r>
               <a:rPr lang="en-GB" dirty="0">
                 <a:latin typeface="Bahnschrift" panose="020B0502040204020203" pitchFamily="34" charset="0"/>
               </a:rPr>
-              <a:t>Already implemented in </a:t>
+              <a:t>implemented in </a:t>
             </a:r>
             <a:r>
               <a:rPr lang="en-GB" dirty="0" err="1">
@@ -6826,62 +6633,11 @@
               </a:buClr>
             </a:pPr>
             <a:r>
-              <a:rPr lang="en-US" dirty="0">
+              <a:rPr lang="en-GB">
                 <a:latin typeface="Bahnschrift" panose="020B0502040204020203" pitchFamily="34" charset="0"/>
               </a:rPr>
-              <a:t>Two symmetrical engines   </a:t>
-            </a:r>
-            <a:r>
-              <a:rPr lang="es-ES" dirty="0">
-                <a:latin typeface="Bahnschrift" panose="020B0502040204020203" pitchFamily="34" charset="0"/>
-              </a:rPr>
-              <a:t>➤   </a:t>
-            </a:r>
-            <a:r>
-              <a:rPr lang="es-ES" dirty="0" err="1">
-                <a:latin typeface="Bahnschrift" panose="020B0502040204020203" pitchFamily="34" charset="0"/>
-              </a:rPr>
-              <a:t>Two</a:t>
-            </a:r>
-            <a:r>
-              <a:rPr lang="es-ES" dirty="0">
-                <a:latin typeface="Bahnschrift" panose="020B0502040204020203" pitchFamily="34" charset="0"/>
-              </a:rPr>
-              <a:t> </a:t>
-            </a:r>
-            <a:r>
-              <a:rPr lang="es-ES" dirty="0" err="1">
-                <a:latin typeface="Bahnschrift" panose="020B0502040204020203" pitchFamily="34" charset="0"/>
-              </a:rPr>
-              <a:t>symmetrical</a:t>
-            </a:r>
-            <a:r>
-              <a:rPr lang="es-ES" dirty="0">
-                <a:latin typeface="Bahnschrift" panose="020B0502040204020203" pitchFamily="34" charset="0"/>
-              </a:rPr>
-              <a:t> </a:t>
-            </a:r>
-            <a:r>
-              <a:rPr lang="es-ES" dirty="0" err="1">
-                <a:latin typeface="Bahnschrift" panose="020B0502040204020203" pitchFamily="34" charset="0"/>
-              </a:rPr>
-              <a:t>point</a:t>
-            </a:r>
-            <a:r>
-              <a:rPr lang="es-ES" dirty="0">
-                <a:latin typeface="Bahnschrift" panose="020B0502040204020203" pitchFamily="34" charset="0"/>
-              </a:rPr>
-              <a:t> </a:t>
-            </a:r>
-            <a:r>
-              <a:rPr lang="es-ES" dirty="0" err="1">
-                <a:latin typeface="Bahnschrift" panose="020B0502040204020203" pitchFamily="34" charset="0"/>
-              </a:rPr>
-              <a:t>masses</a:t>
-            </a:r>
-            <a:endParaRPr lang="es-ES" dirty="0">
-              <a:latin typeface="Bahnschrift" panose="020B0502040204020203" pitchFamily="34" charset="0"/>
-            </a:endParaRPr>
+              <a:t>Two symmetrical engines   ➤   Two symmetrical point masses</a:t>
+            </a:r>
           </a:p>
           <a:p>
             <a:pPr>
@@ -6895,22 +6651,22 @@
               </a:buClr>
             </a:pPr>
             <a:r>
+              <a:rPr lang="en-GB">
+                <a:latin typeface="Bahnschrift" panose="020B0502040204020203" pitchFamily="34" charset="0"/>
+              </a:rPr>
+              <a:t>New </a:t>
+            </a:r>
+            <a:r>
               <a:rPr lang="en-GB" dirty="0">
                 <a:latin typeface="Bahnschrift" panose="020B0502040204020203" pitchFamily="34" charset="0"/>
               </a:rPr>
-              <a:t>New design variable   </a:t>
-            </a:r>
-            <a:r>
-              <a:rPr lang="es-ES" dirty="0">
+              <a:t>design </a:t>
+            </a:r>
+            <a:r>
+              <a:rPr lang="en-GB">
                 <a:latin typeface="Bahnschrift" panose="020B0502040204020203" pitchFamily="34" charset="0"/>
               </a:rPr>
-              <a:t>➤   </a:t>
-            </a:r>
-            <a:r>
-              <a:rPr lang="en-US" dirty="0">
-                <a:latin typeface="Bahnschrift" panose="020B0502040204020203" pitchFamily="34" charset="0"/>
-              </a:rPr>
-              <a:t> Distance from the plane of symmetry</a:t>
+              <a:t>variable   ➤    Distance from the plane of symmetry</a:t>
             </a:r>
           </a:p>
           <a:p>
@@ -6925,7 +6681,7 @@
               </a:buClr>
             </a:pPr>
             <a:r>
-              <a:rPr lang="en-US" dirty="0">
+              <a:rPr lang="en-GB">
                 <a:latin typeface="Bahnschrift" panose="020B0502040204020203" pitchFamily="34" charset="0"/>
               </a:rPr>
               <a:t>Reduce the bending moment on the wing due to lift</a:t>
@@ -7191,7 +6947,7 @@
               <a:defRPr/>
             </a:pPr>
             <a:r>
-              <a:rPr kumimoji="0" lang="es-ES" sz="1600" b="0" i="0" u="none" strike="noStrike" kern="1200" cap="none" spc="0" normalizeH="0" baseline="0" noProof="0" dirty="0">
+              <a:rPr kumimoji="0" lang="en-GB" sz="1600" b="0" i="0" u="none" strike="noStrike" kern="1200" cap="none" spc="0" normalizeH="0" baseline="0" noProof="0">
                 <a:ln>
                   <a:noFill/>
                 </a:ln>
@@ -7210,6 +6966,23 @@
               </a:rPr>
               <a:t>Víctor M. GUADAÑO MARTÍN</a:t>
             </a:r>
+            <a:endParaRPr kumimoji="0" lang="en-GB" sz="1600" b="0" i="0" u="none" strike="noStrike" kern="1200" cap="none" spc="0" normalizeH="0" baseline="0" noProof="0" dirty="0">
+              <a:ln>
+                <a:noFill/>
+              </a:ln>
+              <a:solidFill>
+                <a:srgbClr val="000000">
+                  <a:lumMod val="85000"/>
+                  <a:lumOff val="15000"/>
+                </a:srgbClr>
+              </a:solidFill>
+              <a:effectLst/>
+              <a:uLnTx/>
+              <a:uFillTx/>
+              <a:latin typeface="Gill Sans MT" panose="020B0502020104020203"/>
+              <a:ea typeface="+mn-ea"/>
+              <a:cs typeface="+mn-cs"/>
+            </a:endParaRPr>
           </a:p>
         </p:txBody>
       </p:sp>
@@ -7235,11 +7008,11 @@
           <a:lstStyle/>
           <a:p>
             <a:fld id="{8A7A6979-0714-4377-B894-6BE4C2D6E202}" type="slidenum">
-              <a:rPr lang="en-US" smtClean="0"/>
+              <a:rPr lang="en-GB" smtClean="0"/>
               <a:pPr/>
               <a:t>11</a:t>
             </a:fld>
-            <a:endParaRPr lang="en-US" dirty="0"/>
+            <a:endParaRPr lang="en-GB" dirty="0"/>
           </a:p>
         </p:txBody>
       </p:sp>
@@ -7542,7 +7315,7 @@
               <a:defRPr/>
             </a:pPr>
             <a:r>
-              <a:rPr lang="es-ES" sz="1600" dirty="0">
+              <a:rPr lang="en-GB" sz="1600">
                 <a:solidFill>
                   <a:srgbClr val="000000">
                     <a:lumMod val="85000"/>
@@ -7553,7 +7326,7 @@
               </a:rPr>
               <a:t>HALE AEROECODESIGN</a:t>
             </a:r>
-            <a:endParaRPr kumimoji="0" lang="es-ES" sz="1600" b="0" i="0" u="none" strike="noStrike" kern="1200" cap="none" spc="0" normalizeH="0" baseline="0" noProof="0" dirty="0">
+            <a:endParaRPr kumimoji="0" lang="en-GB" sz="1600" b="0" i="0" u="none" strike="noStrike" kern="1200" cap="none" spc="0" normalizeH="0" baseline="0" noProof="0" dirty="0">
               <a:ln>
                 <a:noFill/>
               </a:ln>
@@ -7637,14 +7410,15 @@
           <a:lstStyle/>
           <a:p>
             <a:r>
-              <a:rPr lang="en-US" sz="2000" dirty="0"/>
+              <a:rPr lang="en-GB" sz="2000"/>
               <a:t>Task 7: Model a two dimensional discrete gust</a:t>
             </a:r>
+            <a:endParaRPr lang="en-GB" sz="2000" dirty="0"/>
           </a:p>
         </p:txBody>
       </p:sp>
-      <mc:AlternateContent xmlns:mc="http://schemas.openxmlformats.org/markup-compatibility/2006">
-        <mc:Choice xmlns:a14="http://schemas.microsoft.com/office/drawing/2010/main" Requires="a14">
+      <mc:AlternateContent xmlns:mc="http://schemas.openxmlformats.org/markup-compatibility/2006" xmlns:a14="http://schemas.microsoft.com/office/drawing/2010/main">
+        <mc:Choice Requires="a14">
           <p:sp>
             <p:nvSpPr>
               <p:cNvPr id="3" name="Marcador de contenido 2">
@@ -7684,50 +7458,17 @@
                   </a:buClr>
                 </a:pPr>
                 <a:r>
-                  <a:rPr lang="en-US" dirty="0">
+                  <a:rPr lang="en-GB">
                     <a:latin typeface="Bahnschrift" panose="020B0502040204020203" pitchFamily="34" charset="0"/>
                   </a:rPr>
-                  <a:t>Currently   </a:t>
+                  <a:t>Currently   ➤   One-dimmensional </a:t>
                 </a:r>
                 <a:r>
-                  <a:rPr lang="es-ES" dirty="0">
+                  <a:rPr lang="en-GB" dirty="0">
                     <a:latin typeface="Bahnschrift" panose="020B0502040204020203" pitchFamily="34" charset="0"/>
                   </a:rPr>
-                  <a:t>➤   </a:t>
+                  <a:t>shear gust</a:t>
                 </a:r>
-                <a:r>
-                  <a:rPr lang="es-ES" dirty="0" err="1">
-                    <a:latin typeface="Bahnschrift" panose="020B0502040204020203" pitchFamily="34" charset="0"/>
-                  </a:rPr>
-                  <a:t>One-dimmensional</a:t>
-                </a:r>
-                <a:r>
-                  <a:rPr lang="es-ES" dirty="0">
-                    <a:latin typeface="Bahnschrift" panose="020B0502040204020203" pitchFamily="34" charset="0"/>
-                  </a:rPr>
-                  <a:t> </a:t>
-                </a:r>
-                <a:r>
-                  <a:rPr lang="es-ES" dirty="0" err="1">
-                    <a:latin typeface="Bahnschrift" panose="020B0502040204020203" pitchFamily="34" charset="0"/>
-                  </a:rPr>
-                  <a:t>shear</a:t>
-                </a:r>
-                <a:r>
-                  <a:rPr lang="es-ES" dirty="0">
-                    <a:latin typeface="Bahnschrift" panose="020B0502040204020203" pitchFamily="34" charset="0"/>
-                  </a:rPr>
-                  <a:t> </a:t>
-                </a:r>
-                <a:r>
-                  <a:rPr lang="es-ES" dirty="0" err="1">
-                    <a:latin typeface="Bahnschrift" panose="020B0502040204020203" pitchFamily="34" charset="0"/>
-                  </a:rPr>
-                  <a:t>gust</a:t>
-                </a:r>
-                <a:endParaRPr lang="en-US" dirty="0">
-                  <a:latin typeface="Bahnschrift" panose="020B0502040204020203" pitchFamily="34" charset="0"/>
-                </a:endParaRPr>
               </a:p>
               <a:p>
                 <a:pPr>
@@ -7765,14 +7506,14 @@
                       <m:sSub>
                         <m:sSubPr>
                           <m:ctrlPr>
-                            <a:rPr lang="es-ES" sz="1600" b="0" i="1" smtClean="0">
+                            <a:rPr lang="en-GB" sz="1600" b="0" i="1" smtClean="0">
                               <a:latin typeface="Cambria Math" panose="02040503050406030204" pitchFamily="18" charset="0"/>
                             </a:rPr>
                           </m:ctrlPr>
                         </m:sSubPr>
                         <m:e>
                           <m:r>
-                            <a:rPr lang="es-ES" sz="1600" b="0" i="1" smtClean="0">
+                            <a:rPr lang="en-GB" sz="1600" b="0" i="1" smtClean="0">
                               <a:latin typeface="Cambria Math" panose="02040503050406030204" pitchFamily="18" charset="0"/>
                             </a:rPr>
                             <m:t>𝑤</m:t>
@@ -7780,7 +7521,7 @@
                         </m:e>
                         <m:sub>
                           <m:r>
-                            <a:rPr lang="es-ES" sz="1600" b="0" i="1" smtClean="0">
+                            <a:rPr lang="en-GB" sz="1600" b="0" i="1" smtClean="0">
                               <a:latin typeface="Cambria Math" panose="02040503050406030204" pitchFamily="18" charset="0"/>
                             </a:rPr>
                             <m:t>𝑔</m:t>
@@ -7788,19 +7529,19 @@
                         </m:sub>
                       </m:sSub>
                       <m:r>
-                        <a:rPr lang="es-ES" sz="1600" b="0" i="1" smtClean="0">
+                        <a:rPr lang="en-GB" sz="1600" b="0" i="1" smtClean="0">
                           <a:latin typeface="Cambria Math" panose="02040503050406030204" pitchFamily="18" charset="0"/>
                         </a:rPr>
                         <m:t>(</m:t>
                       </m:r>
                       <m:r>
-                        <a:rPr lang="es-ES" sz="1600" b="0" i="1" smtClean="0">
+                        <a:rPr lang="en-GB" sz="1600" b="0" i="1" smtClean="0">
                           <a:latin typeface="Cambria Math" panose="02040503050406030204" pitchFamily="18" charset="0"/>
                         </a:rPr>
                         <m:t>𝑦</m:t>
                       </m:r>
                       <m:r>
-                        <a:rPr lang="es-ES" sz="1600" b="0" i="1" smtClean="0">
+                        <a:rPr lang="en-GB" sz="1600" b="0" i="1" smtClean="0">
                           <a:latin typeface="Cambria Math" panose="02040503050406030204" pitchFamily="18" charset="0"/>
                         </a:rPr>
                         <m:t>)=</m:t>
@@ -7824,7 +7565,7 @@
                             </m:sSubPr>
                             <m:e>
                               <m:r>
-                                <a:rPr lang="es-ES" sz="1600" b="0" i="1" smtClean="0">
+                                <a:rPr lang="en-GB" sz="1600" b="0" i="1" smtClean="0">
                                   <a:latin typeface="Cambria Math" panose="02040503050406030204" pitchFamily="18" charset="0"/>
                                 </a:rPr>
                                 <m:t>𝑈</m:t>
@@ -7832,7 +7573,7 @@
                             </m:e>
                             <m:sub>
                               <m:r>
-                                <a:rPr lang="es-ES" sz="1600" b="0" i="1" smtClean="0">
+                                <a:rPr lang="en-GB" sz="1600" b="0" i="1" smtClean="0">
                                   <a:latin typeface="Cambria Math" panose="02040503050406030204" pitchFamily="18" charset="0"/>
                                 </a:rPr>
                                 <m:t>𝑑𝑒</m:t>
@@ -7842,7 +7583,7 @@
                         </m:num>
                         <m:den>
                           <m:r>
-                            <a:rPr lang="es-ES" sz="1600" b="0" i="1" smtClean="0">
+                            <a:rPr lang="en-GB" sz="1600" b="0" i="1" smtClean="0">
                               <a:latin typeface="Cambria Math" panose="02040503050406030204" pitchFamily="18" charset="0"/>
                             </a:rPr>
                             <m:t>2</m:t>
@@ -7861,13 +7602,13 @@
                         </m:dPr>
                         <m:e>
                           <m:r>
-                            <a:rPr lang="es-ES" sz="1600" b="0" i="1" smtClean="0">
+                            <a:rPr lang="en-GB" sz="1600" b="0" i="1" smtClean="0">
                               <a:latin typeface="Cambria Math" panose="02040503050406030204" pitchFamily="18" charset="0"/>
                             </a:rPr>
                             <m:t>1−</m:t>
                           </m:r>
                           <m:r>
-                            <a:rPr lang="es-ES" sz="1600" b="0" i="1" smtClean="0">
+                            <a:rPr lang="en-GB" sz="1600" b="0" i="1" smtClean="0">
                               <a:latin typeface="Cambria Math" panose="02040503050406030204" pitchFamily="18" charset="0"/>
                             </a:rPr>
                             <m:t>𝑐𝑜𝑠</m:t>
@@ -7875,7 +7616,7 @@
                           <m:d>
                             <m:dPr>
                               <m:ctrlPr>
-                                <a:rPr lang="es-ES" sz="1600" b="0" i="1" smtClean="0">
+                                <a:rPr lang="en-GB" sz="1600" b="0" i="1" smtClean="0">
                                   <a:latin typeface="Cambria Math" panose="02040503050406030204" pitchFamily="18" charset="0"/>
                                 </a:rPr>
                               </m:ctrlPr>
@@ -7884,26 +7625,26 @@
                               <m:f>
                                 <m:fPr>
                                   <m:ctrlPr>
-                                    <a:rPr lang="es-ES" sz="1600" b="0" i="1" smtClean="0">
+                                    <a:rPr lang="en-GB" sz="1600" b="0" i="1" smtClean="0">
                                       <a:latin typeface="Cambria Math" panose="02040503050406030204" pitchFamily="18" charset="0"/>
                                     </a:rPr>
                                   </m:ctrlPr>
                                 </m:fPr>
                                 <m:num>
                                   <m:r>
-                                    <a:rPr lang="es-ES" sz="1600" b="0" i="1" smtClean="0">
+                                    <a:rPr lang="en-GB" sz="1600" b="0" i="1" smtClean="0">
                                       <a:latin typeface="Cambria Math" panose="02040503050406030204" pitchFamily="18" charset="0"/>
                                     </a:rPr>
                                     <m:t>2</m:t>
                                   </m:r>
                                   <m:r>
-                                    <a:rPr lang="el-GR" sz="1600" i="1">
+                                    <a:rPr lang="en-GB" sz="1600" i="1" smtClean="0">
                                       <a:latin typeface="Cambria Math" panose="02040503050406030204" pitchFamily="18" charset="0"/>
                                     </a:rPr>
                                     <m:t>𝜋</m:t>
                                   </m:r>
                                   <m:r>
-                                    <a:rPr lang="es-ES" sz="1600" b="0" i="1" smtClean="0">
+                                    <a:rPr lang="en-GB" sz="1600" b="0" i="1" smtClean="0">
                                       <a:latin typeface="Cambria Math" panose="02040503050406030204" pitchFamily="18" charset="0"/>
                                     </a:rPr>
                                     <m:t>𝑦</m:t>
@@ -7911,7 +7652,7 @@
                                 </m:num>
                                 <m:den>
                                   <m:r>
-                                    <a:rPr lang="es-ES" sz="1600" b="0" i="1" smtClean="0">
+                                    <a:rPr lang="en-GB" sz="1600" b="0" i="1" smtClean="0">
                                       <a:latin typeface="Cambria Math" panose="02040503050406030204" pitchFamily="18" charset="0"/>
                                     </a:rPr>
                                     <m:t>𝑎</m:t>
@@ -7919,14 +7660,14 @@
                                   <m:sSub>
                                     <m:sSubPr>
                                       <m:ctrlPr>
-                                        <a:rPr lang="es-ES" sz="1600" b="0" i="1" smtClean="0">
+                                        <a:rPr lang="en-GB" sz="1600" b="0" i="1" smtClean="0">
                                           <a:latin typeface="Cambria Math" panose="02040503050406030204" pitchFamily="18" charset="0"/>
                                         </a:rPr>
                                       </m:ctrlPr>
                                     </m:sSubPr>
                                     <m:e>
                                       <m:r>
-                                        <a:rPr lang="es-ES" sz="1600" b="0" i="1" smtClean="0">
+                                        <a:rPr lang="en-GB" sz="1600" b="0" i="1" smtClean="0">
                                           <a:latin typeface="Cambria Math" panose="02040503050406030204" pitchFamily="18" charset="0"/>
                                         </a:rPr>
                                         <m:t>𝐿</m:t>
@@ -7934,7 +7675,7 @@
                                     </m:e>
                                     <m:sub>
                                       <m:r>
-                                        <a:rPr lang="es-ES" sz="1600" b="0" i="1" smtClean="0">
+                                        <a:rPr lang="en-GB" sz="1600" b="0" i="1" smtClean="0">
                                           <a:latin typeface="Cambria Math" panose="02040503050406030204" pitchFamily="18" charset="0"/>
                                         </a:rPr>
                                         <m:t>𝑠𝑝𝑎𝑛</m:t>
@@ -8068,22 +7809,10 @@
                   </a:buClr>
                 </a:pPr>
                 <a:r>
-                  <a:rPr lang="en-US" dirty="0">
+                  <a:rPr lang="en-GB">
                     <a:latin typeface="Bahnschrift" panose="020B0502040204020203" pitchFamily="34" charset="0"/>
                   </a:rPr>
-                  <a:t>Increase bending moment   </a:t>
-                </a:r>
-                <a:r>
-                  <a:rPr lang="es-ES" dirty="0">
-                    <a:latin typeface="Bahnschrift" panose="020B0502040204020203" pitchFamily="34" charset="0"/>
-                  </a:rPr>
-                  <a:t>➤</a:t>
-                </a:r>
-                <a:r>
-                  <a:rPr lang="en-US" dirty="0">
-                    <a:latin typeface="Bahnschrift" panose="020B0502040204020203" pitchFamily="34" charset="0"/>
-                  </a:rPr>
-                  <a:t>   Penalize large aspect ratios</a:t>
+                  <a:t>Increase bending moment   ➤   Penalize large aspect ratios</a:t>
                 </a:r>
                 <a:endParaRPr lang="en-GB" dirty="0">
                   <a:latin typeface="Bahnschrift" panose="020B0502040204020203" pitchFamily="34" charset="0"/>
@@ -8092,7 +7821,7 @@
             </p:txBody>
           </p:sp>
         </mc:Choice>
-        <mc:Fallback>
+        <mc:Fallback xmlns="">
           <p:sp>
             <p:nvSpPr>
               <p:cNvPr id="3" name="Marcador de contenido 2">
@@ -8391,7 +8120,7 @@
               <a:defRPr/>
             </a:pPr>
             <a:r>
-              <a:rPr kumimoji="0" lang="es-ES" sz="1600" b="0" i="0" u="none" strike="noStrike" kern="1200" cap="none" spc="0" normalizeH="0" baseline="0" noProof="0" dirty="0">
+              <a:rPr kumimoji="0" lang="en-GB" sz="1600" b="0" i="0" u="none" strike="noStrike" kern="1200" cap="none" spc="0" normalizeH="0" baseline="0" noProof="0">
                 <a:ln>
                   <a:noFill/>
                 </a:ln>
@@ -8410,6 +8139,23 @@
               </a:rPr>
               <a:t>Víctor M. GUADAÑO MARTÍN</a:t>
             </a:r>
+            <a:endParaRPr kumimoji="0" lang="en-GB" sz="1600" b="0" i="0" u="none" strike="noStrike" kern="1200" cap="none" spc="0" normalizeH="0" baseline="0" noProof="0" dirty="0">
+              <a:ln>
+                <a:noFill/>
+              </a:ln>
+              <a:solidFill>
+                <a:srgbClr val="000000">
+                  <a:lumMod val="85000"/>
+                  <a:lumOff val="15000"/>
+                </a:srgbClr>
+              </a:solidFill>
+              <a:effectLst/>
+              <a:uLnTx/>
+              <a:uFillTx/>
+              <a:latin typeface="Gill Sans MT" panose="020B0502020104020203"/>
+              <a:ea typeface="+mn-ea"/>
+              <a:cs typeface="+mn-cs"/>
+            </a:endParaRPr>
           </a:p>
         </p:txBody>
       </p:sp>
@@ -8435,11 +8181,11 @@
           <a:lstStyle/>
           <a:p>
             <a:fld id="{8A7A6979-0714-4377-B894-6BE4C2D6E202}" type="slidenum">
-              <a:rPr lang="en-US" smtClean="0"/>
+              <a:rPr lang="en-GB" smtClean="0"/>
               <a:pPr/>
               <a:t>12</a:t>
             </a:fld>
-            <a:endParaRPr lang="en-US" dirty="0"/>
+            <a:endParaRPr lang="en-GB" dirty="0"/>
           </a:p>
         </p:txBody>
       </p:sp>
@@ -8742,7 +8488,7 @@
               <a:defRPr/>
             </a:pPr>
             <a:r>
-              <a:rPr lang="es-ES" sz="1600" dirty="0">
+              <a:rPr lang="en-GB" sz="1600">
                 <a:solidFill>
                   <a:srgbClr val="000000">
                     <a:lumMod val="85000"/>
@@ -8753,7 +8499,7 @@
               </a:rPr>
               <a:t>HALE AEROECODESIGN</a:t>
             </a:r>
-            <a:endParaRPr kumimoji="0" lang="es-ES" sz="1600" b="0" i="0" u="none" strike="noStrike" kern="1200" cap="none" spc="0" normalizeH="0" baseline="0" noProof="0" dirty="0">
+            <a:endParaRPr kumimoji="0" lang="en-GB" sz="1600" b="0" i="0" u="none" strike="noStrike" kern="1200" cap="none" spc="0" normalizeH="0" baseline="0" noProof="0" dirty="0">
               <a:ln>
                 <a:noFill/>
               </a:ln>
@@ -9057,7 +8803,7 @@
               <a:buNone/>
             </a:pPr>
             <a:r>
-              <a:rPr lang="en-US" sz="1400" dirty="0">
+              <a:rPr lang="en-GB" sz="1400">
                 <a:solidFill>
                   <a:schemeClr val="tx1">
                     <a:lumMod val="65000"/>
@@ -9066,31 +8812,7 @@
                 </a:solidFill>
                 <a:latin typeface="Bahnschrift" panose="020B0502040204020203" pitchFamily="34" charset="0"/>
               </a:rPr>
-              <a:t>Y. Yang, Y. Chao, and W. </a:t>
-            </a:r>
-            <a:r>
-              <a:rPr lang="en-US" sz="1400" dirty="0" err="1">
-                <a:solidFill>
-                  <a:schemeClr val="tx1">
-                    <a:lumMod val="65000"/>
-                    <a:lumOff val="35000"/>
-                  </a:schemeClr>
-                </a:solidFill>
-                <a:latin typeface="Bahnschrift" panose="020B0502040204020203" pitchFamily="34" charset="0"/>
-              </a:rPr>
-              <a:t>Zhigang</a:t>
-            </a:r>
-            <a:r>
-              <a:rPr lang="en-US" sz="1400" dirty="0">
-                <a:solidFill>
-                  <a:schemeClr val="tx1">
-                    <a:lumMod val="65000"/>
-                    <a:lumOff val="35000"/>
-                  </a:schemeClr>
-                </a:solidFill>
-                <a:latin typeface="Bahnschrift" panose="020B0502040204020203" pitchFamily="34" charset="0"/>
-              </a:rPr>
-              <a:t>, “Aeroelastic dynamic response of elastic aircraft with consideration of two-dimensional discrete gust excitation,” Chinese Journal of Aeronautics, 2019.</a:t>
+              <a:t>Y. Yang, Y. Chao, and W. Zhigang, “Aeroelastic dynamic response of elastic aircraft with consideration of two-dimensional discrete gust excitation,” Chinese Journal of Aeronautics, 2019.</a:t>
             </a:r>
             <a:endParaRPr lang="en-GB" sz="1400" dirty="0">
               <a:solidFill>
@@ -9347,7 +9069,7 @@
               <a:buNone/>
             </a:pPr>
             <a:r>
-              <a:rPr lang="en-US" sz="1400" dirty="0">
+              <a:rPr lang="en-GB" sz="1400">
                 <a:solidFill>
                   <a:schemeClr val="tx1">
                     <a:lumMod val="65000"/>
@@ -9613,7 +9335,7 @@
               <a:buNone/>
             </a:pPr>
             <a:r>
-              <a:rPr lang="en-US" sz="1400" dirty="0">
+              <a:rPr lang="en-GB" sz="1400">
                 <a:latin typeface="Bahnschrift" panose="020B0502040204020203" pitchFamily="34" charset="0"/>
               </a:rPr>
               <a:t>Fig. 5: Spanwise distribution of 1-cosine gusts</a:t>
@@ -9681,37 +9403,10 @@
           <a:lstStyle/>
           <a:p>
             <a:r>
-              <a:rPr lang="es-ES" dirty="0" err="1"/>
-              <a:t>THANks</a:t>
-            </a:r>
-            <a:r>
-              <a:rPr lang="es-ES" dirty="0"/>
-              <a:t> </a:t>
-            </a:r>
-            <a:r>
-              <a:rPr lang="es-ES" dirty="0" err="1"/>
-              <a:t>for</a:t>
-            </a:r>
-            <a:r>
-              <a:rPr lang="es-ES" dirty="0"/>
-              <a:t> </a:t>
-            </a:r>
-            <a:r>
-              <a:rPr lang="es-ES" dirty="0" err="1"/>
-              <a:t>your</a:t>
-            </a:r>
-            <a:r>
-              <a:rPr lang="es-ES" dirty="0"/>
-              <a:t> </a:t>
-            </a:r>
-            <a:r>
-              <a:rPr lang="es-ES" dirty="0" err="1"/>
-              <a:t>attention</a:t>
-            </a:r>
-            <a:r>
-              <a:rPr lang="es-ES" dirty="0"/>
-              <a:t>!</a:t>
-            </a:r>
+              <a:rPr lang="en-GB"/>
+              <a:t>THANks for your attention!</a:t>
+            </a:r>
+            <a:endParaRPr lang="en-GB" dirty="0"/>
           </a:p>
         </p:txBody>
       </p:sp>
@@ -9772,9 +9467,10 @@
           </a:lstStyle>
           <a:p>
             <a:r>
-              <a:rPr lang="es-ES" dirty="0"/>
+              <a:rPr lang="en-GB"/>
               <a:t>ANY QUESTION?</a:t>
             </a:r>
+            <a:endParaRPr lang="en-GB" dirty="0"/>
           </a:p>
         </p:txBody>
       </p:sp>
@@ -10033,7 +9729,7 @@
               <a:defRPr/>
             </a:pPr>
             <a:r>
-              <a:rPr kumimoji="0" lang="es-ES" sz="1600" b="1" i="0" u="none" strike="noStrike" kern="1200" cap="none" spc="0" normalizeH="0" baseline="0" noProof="0" dirty="0">
+              <a:rPr kumimoji="0" lang="en-GB" sz="1600" b="1" i="0" u="none" strike="noStrike" kern="1200" cap="none" spc="0" normalizeH="0" baseline="0" noProof="0">
                 <a:ln>
                   <a:noFill/>
                 </a:ln>
@@ -10049,6 +9745,20 @@
               </a:rPr>
               <a:t>Víctor M. GUADAÑO MARTÍN</a:t>
             </a:r>
+            <a:endParaRPr kumimoji="0" lang="en-GB" sz="1600" b="1" i="0" u="none" strike="noStrike" kern="1200" cap="none" spc="0" normalizeH="0" baseline="0" noProof="0" dirty="0">
+              <a:ln>
+                <a:noFill/>
+              </a:ln>
+              <a:solidFill>
+                <a:schemeClr val="tx1"/>
+              </a:solidFill>
+              <a:effectLst/>
+              <a:uLnTx/>
+              <a:uFillTx/>
+              <a:latin typeface="Gill Sans MT" panose="020B0502020104020203"/>
+              <a:ea typeface="+mn-ea"/>
+              <a:cs typeface="+mn-cs"/>
+            </a:endParaRPr>
           </a:p>
         </p:txBody>
       </p:sp>
@@ -10337,7 +10047,7 @@
               <a:defRPr/>
             </a:pPr>
             <a:r>
-              <a:rPr kumimoji="0" lang="es-ES" sz="1600" b="1" i="0" u="none" strike="noStrike" kern="1200" cap="none" spc="0" normalizeH="0" baseline="0" noProof="0" dirty="0">
+              <a:rPr kumimoji="0" lang="en-GB" sz="1600" b="1" i="0" u="none" strike="noStrike" kern="1200" cap="none" spc="0" normalizeH="0" baseline="0" noProof="0">
                 <a:ln>
                   <a:noFill/>
                 </a:ln>
@@ -10353,6 +10063,20 @@
               </a:rPr>
               <a:t>HALE AEROECODESIGN</a:t>
             </a:r>
+            <a:endParaRPr kumimoji="0" lang="en-GB" sz="1600" b="1" i="0" u="none" strike="noStrike" kern="1200" cap="none" spc="0" normalizeH="0" baseline="0" noProof="0" dirty="0">
+              <a:ln>
+                <a:noFill/>
+              </a:ln>
+              <a:solidFill>
+                <a:schemeClr val="tx1"/>
+              </a:solidFill>
+              <a:effectLst/>
+              <a:uLnTx/>
+              <a:uFillTx/>
+              <a:latin typeface="Gill Sans MT" panose="020B0502020104020203"/>
+              <a:ea typeface="+mn-ea"/>
+              <a:cs typeface="+mn-cs"/>
+            </a:endParaRPr>
           </a:p>
         </p:txBody>
       </p:sp>
@@ -10420,7 +10144,7 @@
           <a:lstStyle/>
           <a:p>
             <a:r>
-              <a:rPr lang="es-ES" dirty="0"/>
+              <a:rPr lang="en-GB" dirty="0"/>
               <a:t>OUTLINE</a:t>
             </a:r>
           </a:p>
@@ -10465,7 +10189,7 @@
               </a:buClr>
             </a:pPr>
             <a:r>
-              <a:rPr lang="es-ES" sz="2400" dirty="0">
+              <a:rPr lang="en-GB" sz="2400" dirty="0">
                 <a:latin typeface="Bahnschrift" panose="020B0502040204020203" pitchFamily="34" charset="0"/>
               </a:rPr>
               <a:t>STATE OF THE ART</a:t>
@@ -10483,7 +10207,7 @@
               </a:buClr>
             </a:pPr>
             <a:r>
-              <a:rPr lang="es-ES" sz="2400" dirty="0">
+              <a:rPr lang="en-GB" sz="2400" dirty="0">
                 <a:latin typeface="Bahnschrift" panose="020B0502040204020203" pitchFamily="34" charset="0"/>
               </a:rPr>
               <a:t>GOAL OF THE PROJECT</a:t>
@@ -10501,7 +10225,7 @@
               </a:buClr>
             </a:pPr>
             <a:r>
-              <a:rPr lang="es-ES" sz="2400" dirty="0">
+              <a:rPr lang="en-GB" sz="2400" dirty="0">
                 <a:latin typeface="Bahnschrift" panose="020B0502040204020203" pitchFamily="34" charset="0"/>
               </a:rPr>
               <a:t>MILESTONES OF THE PROJECT</a:t>
@@ -10779,7 +10503,7 @@
               <a:defRPr/>
             </a:pPr>
             <a:r>
-              <a:rPr kumimoji="0" lang="es-ES" sz="1600" b="0" i="0" u="none" strike="noStrike" kern="1200" cap="none" spc="0" normalizeH="0" baseline="0" noProof="0" dirty="0">
+              <a:rPr kumimoji="0" lang="en-GB" sz="1600" b="0" i="0" u="none" strike="noStrike" kern="1200" cap="none" spc="0" normalizeH="0" baseline="0" dirty="0">
                 <a:ln>
                   <a:noFill/>
                 </a:ln>
@@ -10823,11 +10547,11 @@
           <a:lstStyle/>
           <a:p>
             <a:fld id="{8A7A6979-0714-4377-B894-6BE4C2D6E202}" type="slidenum">
-              <a:rPr lang="en-US" smtClean="0"/>
+              <a:rPr lang="en-GB" smtClean="0"/>
               <a:pPr/>
               <a:t>2</a:t>
             </a:fld>
-            <a:endParaRPr lang="en-US" dirty="0"/>
+            <a:endParaRPr lang="en-GB" dirty="0"/>
           </a:p>
         </p:txBody>
       </p:sp>
@@ -11130,7 +10854,7 @@
               <a:defRPr/>
             </a:pPr>
             <a:r>
-              <a:rPr lang="es-ES" sz="1600" dirty="0">
+              <a:rPr lang="en-GB" sz="1600" dirty="0">
                 <a:solidFill>
                   <a:srgbClr val="000000">
                     <a:lumMod val="85000"/>
@@ -11141,7 +10865,7 @@
               </a:rPr>
               <a:t>HALE AEROECODESIGN</a:t>
             </a:r>
-            <a:endParaRPr kumimoji="0" lang="es-ES" sz="1600" b="0" i="0" u="none" strike="noStrike" kern="1200" cap="none" spc="0" normalizeH="0" baseline="0" noProof="0" dirty="0">
+            <a:endParaRPr kumimoji="0" lang="en-GB" sz="1600" b="0" i="0" u="none" strike="noStrike" kern="1200" cap="none" spc="0" normalizeH="0" baseline="0" dirty="0">
               <a:ln>
                 <a:noFill/>
               </a:ln>
@@ -11225,9 +10949,10 @@
           <a:lstStyle/>
           <a:p>
             <a:r>
-              <a:rPr lang="es-ES" dirty="0"/>
+              <a:rPr lang="en-GB"/>
               <a:t>STATE OF THE ART</a:t>
             </a:r>
+            <a:endParaRPr lang="en-GB" dirty="0"/>
           </a:p>
         </p:txBody>
       </p:sp>
@@ -11270,44 +10995,11 @@
               </a:buClr>
             </a:pPr>
             <a:r>
-              <a:rPr lang="es-ES" dirty="0">
+              <a:rPr lang="en-GB">
                 <a:latin typeface="Bahnschrift" panose="020B0502040204020203" pitchFamily="34" charset="0"/>
               </a:rPr>
-              <a:t>HALE   ➤   High-</a:t>
-            </a:r>
-            <a:r>
-              <a:rPr lang="es-ES" dirty="0" err="1">
-                <a:latin typeface="Bahnschrift" panose="020B0502040204020203" pitchFamily="34" charset="0"/>
-              </a:rPr>
-              <a:t>Altitude</a:t>
-            </a:r>
-            <a:r>
-              <a:rPr lang="es-ES" dirty="0">
-                <a:latin typeface="Bahnschrift" panose="020B0502040204020203" pitchFamily="34" charset="0"/>
-              </a:rPr>
-              <a:t> Long </a:t>
-            </a:r>
-            <a:r>
-              <a:rPr lang="es-ES" dirty="0" err="1">
-                <a:latin typeface="Bahnschrift" panose="020B0502040204020203" pitchFamily="34" charset="0"/>
-              </a:rPr>
-              <a:t>Endurance</a:t>
-            </a:r>
-            <a:r>
-              <a:rPr lang="es-ES" dirty="0">
-                <a:latin typeface="Bahnschrift" panose="020B0502040204020203" pitchFamily="34" charset="0"/>
-              </a:rPr>
-              <a:t> </a:t>
-            </a:r>
-            <a:r>
-              <a:rPr lang="es-ES" dirty="0" err="1">
-                <a:latin typeface="Bahnschrift" panose="020B0502040204020203" pitchFamily="34" charset="0"/>
-              </a:rPr>
-              <a:t>Drone</a:t>
-            </a:r>
-            <a:endParaRPr lang="es-ES" dirty="0">
-              <a:latin typeface="Bahnschrift" panose="020B0502040204020203" pitchFamily="34" charset="0"/>
-            </a:endParaRPr>
+              <a:t>HALE   ➤   High-Altitude Long Endurance Drone</a:t>
+            </a:r>
           </a:p>
           <a:p>
             <a:pPr lvl="1">
@@ -11318,48 +11010,24 @@
               </a:buClr>
             </a:pPr>
             <a:r>
-              <a:rPr lang="es-ES" dirty="0" err="1">
+              <a:rPr lang="en-GB">
                 <a:latin typeface="Bahnschrift" panose="020B0502040204020203" pitchFamily="34" charset="0"/>
               </a:rPr>
-              <a:t>Atmospheric</a:t>
-            </a:r>
-            <a:r>
-              <a:rPr lang="es-ES" dirty="0">
+              <a:t>Atmospheric </a:t>
+            </a:r>
+            <a:r>
+              <a:rPr lang="en-GB" dirty="0">
                 <a:latin typeface="Bahnschrift" panose="020B0502040204020203" pitchFamily="34" charset="0"/>
               </a:rPr>
-              <a:t> </a:t>
-            </a:r>
-            <a:r>
-              <a:rPr lang="es-ES" dirty="0" err="1">
-                <a:latin typeface="Bahnschrift" panose="020B0502040204020203" pitchFamily="34" charset="0"/>
-              </a:rPr>
-              <a:t>satellites</a:t>
-            </a:r>
-            <a:r>
-              <a:rPr lang="es-ES" dirty="0">
-                <a:latin typeface="Bahnschrift" panose="020B0502040204020203" pitchFamily="34" charset="0"/>
-              </a:rPr>
-              <a:t> </a:t>
-            </a:r>
-            <a:r>
-              <a:rPr lang="es-ES" dirty="0" err="1">
-                <a:latin typeface="Bahnschrift" panose="020B0502040204020203" pitchFamily="34" charset="0"/>
-              </a:rPr>
-              <a:t>or</a:t>
-            </a:r>
-            <a:r>
-              <a:rPr lang="es-ES" dirty="0">
-                <a:latin typeface="Bahnschrift" panose="020B0502040204020203" pitchFamily="34" charset="0"/>
-              </a:rPr>
-              <a:t> </a:t>
-            </a:r>
-            <a:r>
-              <a:rPr lang="es-ES" dirty="0" err="1">
+              <a:t>satellites or </a:t>
+            </a:r>
+            <a:r>
+              <a:rPr lang="en-GB" dirty="0" err="1">
                 <a:latin typeface="Bahnschrift" panose="020B0502040204020203" pitchFamily="34" charset="0"/>
               </a:rPr>
               <a:t>atmosats</a:t>
             </a:r>
-            <a:endParaRPr lang="es-ES" dirty="0">
+            <a:endParaRPr lang="en-GB" dirty="0">
               <a:latin typeface="Bahnschrift" panose="020B0502040204020203" pitchFamily="34" charset="0"/>
             </a:endParaRPr>
           </a:p>
@@ -11372,7 +11040,7 @@
               </a:buClr>
             </a:pPr>
             <a:r>
-              <a:rPr lang="en-US" dirty="0">
+              <a:rPr lang="en-GB">
                 <a:latin typeface="Bahnschrift" panose="020B0502040204020203" pitchFamily="34" charset="0"/>
               </a:rPr>
               <a:t>Services conventionally provided by space satellites</a:t>
@@ -11387,50 +11055,11 @@
               </a:buClr>
             </a:pPr>
             <a:r>
-              <a:rPr lang="es-ES" dirty="0" err="1">
+              <a:rPr lang="en-GB">
                 <a:latin typeface="Bahnschrift" panose="020B0502040204020203" pitchFamily="34" charset="0"/>
               </a:rPr>
-              <a:t>Environment-friendly</a:t>
-            </a:r>
-            <a:r>
-              <a:rPr lang="es-ES" dirty="0">
-                <a:latin typeface="Bahnschrift" panose="020B0502040204020203" pitchFamily="34" charset="0"/>
-              </a:rPr>
-              <a:t>   ➤   </a:t>
-            </a:r>
-            <a:r>
-              <a:rPr lang="es-ES" dirty="0" err="1">
-                <a:latin typeface="Bahnschrift" panose="020B0502040204020203" pitchFamily="34" charset="0"/>
-              </a:rPr>
-              <a:t>Powered</a:t>
-            </a:r>
-            <a:r>
-              <a:rPr lang="es-ES" dirty="0">
-                <a:latin typeface="Bahnschrift" panose="020B0502040204020203" pitchFamily="34" charset="0"/>
-              </a:rPr>
-              <a:t> </a:t>
-            </a:r>
-            <a:r>
-              <a:rPr lang="es-ES" dirty="0" err="1">
-                <a:latin typeface="Bahnschrift" panose="020B0502040204020203" pitchFamily="34" charset="0"/>
-              </a:rPr>
-              <a:t>by</a:t>
-            </a:r>
-            <a:r>
-              <a:rPr lang="es-ES" dirty="0">
-                <a:latin typeface="Bahnschrift" panose="020B0502040204020203" pitchFamily="34" charset="0"/>
-              </a:rPr>
-              <a:t> solar </a:t>
-            </a:r>
-            <a:r>
-              <a:rPr lang="es-ES" dirty="0" err="1">
-                <a:latin typeface="Bahnschrift" panose="020B0502040204020203" pitchFamily="34" charset="0"/>
-              </a:rPr>
-              <a:t>energy</a:t>
-            </a:r>
-            <a:endParaRPr lang="es-ES" dirty="0">
-              <a:latin typeface="Bahnschrift" panose="020B0502040204020203" pitchFamily="34" charset="0"/>
-            </a:endParaRPr>
+              <a:t>Environment-friendly   ➤   Powered by solar energy</a:t>
+            </a:r>
           </a:p>
           <a:p>
             <a:pPr lvl="1">
@@ -11441,56 +11070,23 @@
               </a:buClr>
             </a:pPr>
             <a:r>
-              <a:rPr lang="es-ES" dirty="0">
+              <a:rPr lang="en-GB">
                 <a:latin typeface="Bahnschrift" panose="020B0502040204020203" pitchFamily="34" charset="0"/>
               </a:rPr>
               <a:t>CO</a:t>
             </a:r>
             <a:r>
-              <a:rPr lang="es-ES" baseline="-25000" dirty="0">
+              <a:rPr lang="en-GB" baseline="-25000">
                 <a:latin typeface="Bahnschrift" panose="020B0502040204020203" pitchFamily="34" charset="0"/>
               </a:rPr>
               <a:t>2</a:t>
             </a:r>
             <a:r>
-              <a:rPr lang="es-ES" dirty="0">
+              <a:rPr lang="en-GB">
                 <a:latin typeface="Bahnschrift" panose="020B0502040204020203" pitchFamily="34" charset="0"/>
               </a:rPr>
-              <a:t> </a:t>
-            </a:r>
-            <a:r>
-              <a:rPr lang="es-ES" dirty="0" err="1">
-                <a:latin typeface="Bahnschrift" panose="020B0502040204020203" pitchFamily="34" charset="0"/>
-              </a:rPr>
-              <a:t>emissions</a:t>
-            </a:r>
-            <a:r>
-              <a:rPr lang="es-ES" dirty="0">
-                <a:latin typeface="Bahnschrift" panose="020B0502040204020203" pitchFamily="34" charset="0"/>
-              </a:rPr>
-              <a:t>   ➤   </a:t>
-            </a:r>
-            <a:r>
-              <a:rPr lang="es-ES" dirty="0" err="1">
-                <a:latin typeface="Bahnschrift" panose="020B0502040204020203" pitchFamily="34" charset="0"/>
-              </a:rPr>
-              <a:t>Manufacturing</a:t>
-            </a:r>
-            <a:r>
-              <a:rPr lang="es-ES" dirty="0">
-                <a:latin typeface="Bahnschrift" panose="020B0502040204020203" pitchFamily="34" charset="0"/>
-              </a:rPr>
-              <a:t> and </a:t>
-            </a:r>
-            <a:r>
-              <a:rPr lang="es-ES" dirty="0" err="1">
-                <a:latin typeface="Bahnschrift" panose="020B0502040204020203" pitchFamily="34" charset="0"/>
-              </a:rPr>
-              <a:t>materials</a:t>
-            </a:r>
-            <a:endParaRPr lang="es-ES" dirty="0">
-              <a:latin typeface="Bahnschrift" panose="020B0502040204020203" pitchFamily="34" charset="0"/>
-            </a:endParaRPr>
+              <a:t> emissions   ➤   Manufacturing and materials</a:t>
+            </a:r>
           </a:p>
           <a:p>
             <a:pPr lvl="1">
@@ -11500,7 +11096,7 @@
                 </a:schemeClr>
               </a:buClr>
             </a:pPr>
-            <a:endParaRPr lang="es-ES" dirty="0">
+            <a:endParaRPr lang="en-GB">
               <a:latin typeface="Bahnschrift" panose="020B0502040204020203" pitchFamily="34" charset="0"/>
             </a:endParaRPr>
           </a:p>
@@ -11516,44 +11112,11 @@
               </a:buClr>
             </a:pPr>
             <a:r>
-              <a:rPr lang="es-ES" dirty="0">
+              <a:rPr lang="en-GB">
                 <a:latin typeface="Bahnschrift" panose="020B0502040204020203" pitchFamily="34" charset="0"/>
               </a:rPr>
-              <a:t>MDO   ➤   </a:t>
-            </a:r>
-            <a:r>
-              <a:rPr lang="es-ES" dirty="0" err="1">
-                <a:latin typeface="Bahnschrift" panose="020B0502040204020203" pitchFamily="34" charset="0"/>
-              </a:rPr>
-              <a:t>Multidisciplinary</a:t>
-            </a:r>
-            <a:r>
-              <a:rPr lang="es-ES" dirty="0">
-                <a:latin typeface="Bahnschrift" panose="020B0502040204020203" pitchFamily="34" charset="0"/>
-              </a:rPr>
-              <a:t> </a:t>
-            </a:r>
-            <a:r>
-              <a:rPr lang="es-ES" dirty="0" err="1">
-                <a:latin typeface="Bahnschrift" panose="020B0502040204020203" pitchFamily="34" charset="0"/>
-              </a:rPr>
-              <a:t>Design</a:t>
-            </a:r>
-            <a:r>
-              <a:rPr lang="es-ES" dirty="0">
-                <a:latin typeface="Bahnschrift" panose="020B0502040204020203" pitchFamily="34" charset="0"/>
-              </a:rPr>
-              <a:t> </a:t>
-            </a:r>
-            <a:r>
-              <a:rPr lang="es-ES" dirty="0" err="1">
-                <a:latin typeface="Bahnschrift" panose="020B0502040204020203" pitchFamily="34" charset="0"/>
-              </a:rPr>
-              <a:t>Optimization</a:t>
-            </a:r>
-            <a:endParaRPr lang="es-ES" dirty="0">
-              <a:latin typeface="Bahnschrift" panose="020B0502040204020203" pitchFamily="34" charset="0"/>
-            </a:endParaRPr>
+              <a:t>MDO   ➤   Multidisciplinary Design Optimization</a:t>
+            </a:r>
           </a:p>
           <a:p>
             <a:pPr lvl="1">
@@ -11564,16 +11127,10 @@
               </a:buClr>
             </a:pPr>
             <a:r>
-              <a:rPr lang="en-GB" dirty="0">
+              <a:rPr lang="en-GB">
                 <a:latin typeface="Bahnschrift" panose="020B0502040204020203" pitchFamily="34" charset="0"/>
               </a:rPr>
-              <a:t>Optimum </a:t>
-            </a:r>
-            <a:r>
-              <a:rPr lang="en-US" dirty="0">
-                <a:latin typeface="Bahnschrift" panose="020B0502040204020203" pitchFamily="34" charset="0"/>
-              </a:rPr>
-              <a:t>for the interaction of disciplines</a:t>
+              <a:t>Optimum for the interaction of disciplines</a:t>
             </a:r>
           </a:p>
           <a:p>
@@ -11585,59 +11142,14 @@
               </a:buClr>
             </a:pPr>
             <a:r>
-              <a:rPr lang="en-US" dirty="0" err="1">
+              <a:rPr lang="en-GB">
                 <a:latin typeface="Bahnschrift" panose="020B0502040204020203" pitchFamily="34" charset="0"/>
               </a:rPr>
-              <a:t>OpenAeroStruct</a:t>
-            </a:r>
-            <a:r>
-              <a:rPr lang="en-US" dirty="0">
-                <a:latin typeface="Bahnschrift" panose="020B0502040204020203" pitchFamily="34" charset="0"/>
-              </a:rPr>
-              <a:t> (based on </a:t>
-            </a:r>
-            <a:r>
-              <a:rPr lang="en-US" dirty="0" err="1">
-                <a:latin typeface="Bahnschrift" panose="020B0502040204020203" pitchFamily="34" charset="0"/>
-              </a:rPr>
-              <a:t>OpenMDAO</a:t>
-            </a:r>
-            <a:r>
-              <a:rPr lang="en-US" dirty="0">
-                <a:latin typeface="Bahnschrift" panose="020B0502040204020203" pitchFamily="34" charset="0"/>
-              </a:rPr>
-              <a:t>)   </a:t>
-            </a:r>
-            <a:r>
-              <a:rPr lang="es-ES" dirty="0">
-                <a:latin typeface="Bahnschrift" panose="020B0502040204020203" pitchFamily="34" charset="0"/>
-              </a:rPr>
-              <a:t>➤   </a:t>
-            </a:r>
-            <a:r>
-              <a:rPr lang="es-ES" dirty="0" err="1">
-                <a:latin typeface="Bahnschrift" panose="020B0502040204020203" pitchFamily="34" charset="0"/>
-              </a:rPr>
-              <a:t>Aerostructural</a:t>
-            </a:r>
-            <a:r>
-              <a:rPr lang="es-ES" dirty="0">
-                <a:latin typeface="Bahnschrift" panose="020B0502040204020203" pitchFamily="34" charset="0"/>
-              </a:rPr>
-              <a:t> </a:t>
-            </a:r>
-            <a:r>
-              <a:rPr lang="es-ES" dirty="0" err="1">
-                <a:latin typeface="Bahnschrift" panose="020B0502040204020203" pitchFamily="34" charset="0"/>
-              </a:rPr>
-              <a:t>optimization</a:t>
-            </a:r>
-            <a:r>
-              <a:rPr lang="en-GB" dirty="0">
-                <a:latin typeface="Bahnschrift" panose="020B0502040204020203" pitchFamily="34" charset="0"/>
-              </a:rPr>
-              <a:t>  </a:t>
-            </a:r>
+              <a:t>OpenAeroStruct (based on OpenMDAO)   ➤   Aerostructural optimization  </a:t>
+            </a:r>
+            <a:endParaRPr lang="en-GB" dirty="0">
+              <a:latin typeface="Bahnschrift" panose="020B0502040204020203" pitchFamily="34" charset="0"/>
+            </a:endParaRPr>
           </a:p>
         </p:txBody>
       </p:sp>
@@ -11896,7 +11408,7 @@
               <a:defRPr/>
             </a:pPr>
             <a:r>
-              <a:rPr kumimoji="0" lang="es-ES" sz="1600" b="0" i="0" u="none" strike="noStrike" kern="1200" cap="none" spc="0" normalizeH="0" baseline="0" noProof="0" dirty="0">
+              <a:rPr kumimoji="0" lang="en-GB" sz="1600" b="0" i="0" u="none" strike="noStrike" kern="1200" cap="none" spc="0" normalizeH="0" baseline="0" noProof="0">
                 <a:ln>
                   <a:noFill/>
                 </a:ln>
@@ -11915,6 +11427,23 @@
               </a:rPr>
               <a:t>Víctor M. GUADAÑO MARTÍN</a:t>
             </a:r>
+            <a:endParaRPr kumimoji="0" lang="en-GB" sz="1600" b="0" i="0" u="none" strike="noStrike" kern="1200" cap="none" spc="0" normalizeH="0" baseline="0" noProof="0" dirty="0">
+              <a:ln>
+                <a:noFill/>
+              </a:ln>
+              <a:solidFill>
+                <a:srgbClr val="000000">
+                  <a:lumMod val="85000"/>
+                  <a:lumOff val="15000"/>
+                </a:srgbClr>
+              </a:solidFill>
+              <a:effectLst/>
+              <a:uLnTx/>
+              <a:uFillTx/>
+              <a:latin typeface="Gill Sans MT" panose="020B0502020104020203"/>
+              <a:ea typeface="+mn-ea"/>
+              <a:cs typeface="+mn-cs"/>
+            </a:endParaRPr>
           </a:p>
         </p:txBody>
       </p:sp>
@@ -11940,11 +11469,11 @@
           <a:lstStyle/>
           <a:p>
             <a:fld id="{8A7A6979-0714-4377-B894-6BE4C2D6E202}" type="slidenum">
-              <a:rPr lang="en-US" smtClean="0"/>
+              <a:rPr lang="en-GB" smtClean="0"/>
               <a:pPr/>
               <a:t>3</a:t>
             </a:fld>
-            <a:endParaRPr lang="en-US" dirty="0"/>
+            <a:endParaRPr lang="en-GB" dirty="0"/>
           </a:p>
         </p:txBody>
       </p:sp>
@@ -12247,7 +11776,7 @@
               <a:defRPr/>
             </a:pPr>
             <a:r>
-              <a:rPr lang="es-ES" sz="1600" dirty="0">
+              <a:rPr lang="en-GB" sz="1600">
                 <a:solidFill>
                   <a:srgbClr val="000000">
                     <a:lumMod val="85000"/>
@@ -12258,7 +11787,7 @@
               </a:rPr>
               <a:t>HALE AEROECODESIGN</a:t>
             </a:r>
-            <a:endParaRPr kumimoji="0" lang="es-ES" sz="1600" b="0" i="0" u="none" strike="noStrike" kern="1200" cap="none" spc="0" normalizeH="0" baseline="0" noProof="0" dirty="0">
+            <a:endParaRPr kumimoji="0" lang="en-GB" sz="1600" b="0" i="0" u="none" strike="noStrike" kern="1200" cap="none" spc="0" normalizeH="0" baseline="0" noProof="0" dirty="0">
               <a:ln>
                 <a:noFill/>
               </a:ln>
@@ -12561,7 +12090,7 @@
               <a:buNone/>
             </a:pPr>
             <a:r>
-              <a:rPr lang="en-US" sz="1400" dirty="0">
+              <a:rPr lang="en-GB" sz="1400">
                 <a:latin typeface="Bahnschrift" panose="020B0502040204020203" pitchFamily="34" charset="0"/>
               </a:rPr>
               <a:t>Fig. 1: Airbus-built HALE Zephyr</a:t>
@@ -12624,10 +12153,10 @@
           <a:lstStyle/>
           <a:p>
             <a:fld id="{8A7A6979-0714-4377-B894-6BE4C2D6E202}" type="slidenum">
-              <a:rPr lang="en-US" smtClean="0"/>
+              <a:rPr lang="en-GB" smtClean="0"/>
               <a:t>4</a:t>
             </a:fld>
-            <a:endParaRPr lang="en-US" dirty="0"/>
+            <a:endParaRPr lang="en-GB" dirty="0"/>
           </a:p>
         </p:txBody>
       </p:sp>
@@ -12646,7 +12175,7 @@
           <p:nvPr>
             <p:extLst>
               <p:ext uri="{D42A27DB-BD31-4B8C-83A1-F6EECF244321}">
-                <p14:modId xmlns:p14="http://schemas.microsoft.com/office/powerpoint/2010/main" val="2322103145"/>
+                <p14:modId xmlns:p14="http://schemas.microsoft.com/office/powerpoint/2010/main" val="3926774170"/>
               </p:ext>
             </p:extLst>
           </p:nvPr>
@@ -12699,7 +12228,7 @@
                     <a:p>
                       <a:pPr algn="ctr"/>
                       <a:r>
-                        <a:rPr lang="es-ES" sz="1600" dirty="0">
+                        <a:rPr lang="en-GB" sz="1600" noProof="0">
                           <a:latin typeface="Bahnschrift" panose="020B0502040204020203" pitchFamily="34" charset="0"/>
                         </a:rPr>
                         <a:t>Variable</a:t>
@@ -12715,41 +12244,10 @@
                     <a:p>
                       <a:pPr algn="ctr"/>
                       <a:r>
-                        <a:rPr lang="es-ES" sz="1600" dirty="0" err="1">
+                        <a:rPr lang="en-GB" sz="1600" noProof="0">
                           <a:latin typeface="Bahnschrift" panose="020B0502040204020203" pitchFamily="34" charset="0"/>
                         </a:rPr>
                         <a:t>Units</a:t>
-                      </a:r>
-                      <a:endParaRPr lang="es-ES" sz="1600" dirty="0">
-                        <a:latin typeface="Bahnschrift" panose="020B0502040204020203" pitchFamily="34" charset="0"/>
-                      </a:endParaRPr>
-                    </a:p>
-                  </a:txBody>
-                  <a:tcPr anchor="ctr"/>
-                </a:tc>
-                <a:tc>
-                  <a:txBody>
-                    <a:bodyPr/>
-                    <a:lstStyle/>
-                    <a:p>
-                      <a:pPr algn="ctr"/>
-                      <a:r>
-                        <a:rPr lang="es-ES" sz="1600" dirty="0">
-                          <a:latin typeface="Bahnschrift" panose="020B0502040204020203" pitchFamily="34" charset="0"/>
-                        </a:rPr>
-                        <a:t>HALE </a:t>
-                      </a:r>
-                      <a:r>
-                        <a:rPr lang="es-ES" sz="1600" dirty="0" err="1">
-                          <a:latin typeface="Bahnschrift" panose="020B0502040204020203" pitchFamily="34" charset="0"/>
-                        </a:rPr>
-                        <a:t>of</a:t>
-                      </a:r>
-                      <a:r>
-                        <a:rPr lang="es-ES" sz="1600" dirty="0">
-                          <a:latin typeface="Bahnschrift" panose="020B0502040204020203" pitchFamily="34" charset="0"/>
-                        </a:rPr>
-                        <a:t> [1]</a:t>
                       </a:r>
                     </a:p>
                   </a:txBody>
@@ -12762,7 +12260,23 @@
                     <a:p>
                       <a:pPr algn="ctr"/>
                       <a:r>
-                        <a:rPr lang="es-ES" sz="1600" dirty="0">
+                        <a:rPr lang="en-GB" sz="1600" noProof="0">
+                          <a:latin typeface="Bahnschrift" panose="020B0502040204020203" pitchFamily="34" charset="0"/>
+                        </a:rPr>
+                        <a:t>HALE of [1]</a:t>
+                      </a:r>
+                    </a:p>
+                  </a:txBody>
+                  <a:tcPr anchor="ctr"/>
+                </a:tc>
+                <a:tc>
+                  <a:txBody>
+                    <a:bodyPr/>
+                    <a:lstStyle/>
+                    <a:p>
+                      <a:pPr algn="ctr"/>
+                      <a:r>
+                        <a:rPr lang="en-GB" sz="1600" noProof="0">
                           <a:latin typeface="Bahnschrift" panose="020B0502040204020203" pitchFamily="34" charset="0"/>
                         </a:rPr>
                         <a:t>FB HALE [2]</a:t>
@@ -12785,14 +12299,11 @@
                     <a:p>
                       <a:pPr algn="ctr"/>
                       <a:r>
-                        <a:rPr lang="es-ES" sz="1600" dirty="0" err="1">
+                        <a:rPr lang="en-GB" sz="1600" noProof="0">
                           <a:latin typeface="Bahnschrift" panose="020B0502040204020203" pitchFamily="34" charset="0"/>
                         </a:rPr>
                         <a:t>Span</a:t>
                       </a:r>
-                      <a:endParaRPr lang="es-ES" sz="1600" dirty="0">
-                        <a:latin typeface="Bahnschrift" panose="020B0502040204020203" pitchFamily="34" charset="0"/>
-                      </a:endParaRPr>
                     </a:p>
                   </a:txBody>
                   <a:tcPr anchor="ctr"/>
@@ -12804,7 +12315,7 @@
                     <a:p>
                       <a:pPr algn="ctr"/>
                       <a:r>
-                        <a:rPr lang="es-ES" sz="1600" dirty="0">
+                        <a:rPr lang="en-GB" sz="1600" noProof="0">
                           <a:latin typeface="Bahnschrift" panose="020B0502040204020203" pitchFamily="34" charset="0"/>
                         </a:rPr>
                         <a:t>m</a:t>
@@ -12820,7 +12331,7 @@
                     <a:p>
                       <a:pPr algn="ctr"/>
                       <a:r>
-                        <a:rPr lang="es-ES" sz="1600" dirty="0">
+                        <a:rPr lang="en-GB" sz="1600" noProof="0">
                           <a:latin typeface="Bahnschrift" panose="020B0502040204020203" pitchFamily="34" charset="0"/>
                         </a:rPr>
                         <a:t>97.5</a:t>
@@ -12836,7 +12347,7 @@
                     <a:p>
                       <a:pPr algn="ctr"/>
                       <a:r>
-                        <a:rPr lang="es-ES" sz="1600" dirty="0">
+                        <a:rPr lang="en-GB" sz="1600" noProof="0">
                           <a:latin typeface="Bahnschrift" panose="020B0502040204020203" pitchFamily="34" charset="0"/>
                         </a:rPr>
                         <a:t>-</a:t>
@@ -12859,26 +12370,11 @@
                     <a:p>
                       <a:pPr algn="ctr"/>
                       <a:r>
-                        <a:rPr lang="es-ES" sz="1600" dirty="0" err="1">
+                        <a:rPr lang="en-GB" sz="1600" noProof="0">
                           <a:latin typeface="Bahnschrift" panose="020B0502040204020203" pitchFamily="34" charset="0"/>
                         </a:rPr>
-                        <a:t>Root</a:t>
+                        <a:t>Root chord</a:t>
                       </a:r>
-                      <a:r>
-                        <a:rPr lang="es-ES" sz="1600" dirty="0">
-                          <a:latin typeface="Bahnschrift" panose="020B0502040204020203" pitchFamily="34" charset="0"/>
-                        </a:rPr>
-                        <a:t> </a:t>
-                      </a:r>
-                      <a:r>
-                        <a:rPr lang="es-ES" sz="1600" dirty="0" err="1">
-                          <a:latin typeface="Bahnschrift" panose="020B0502040204020203" pitchFamily="34" charset="0"/>
-                        </a:rPr>
-                        <a:t>chord</a:t>
-                      </a:r>
-                      <a:endParaRPr lang="es-ES" sz="1600" dirty="0">
-                        <a:latin typeface="Bahnschrift" panose="020B0502040204020203" pitchFamily="34" charset="0"/>
-                      </a:endParaRPr>
                     </a:p>
                   </a:txBody>
                   <a:tcPr anchor="ctr"/>
@@ -12890,7 +12386,7 @@
                     <a:p>
                       <a:pPr algn="ctr"/>
                       <a:r>
-                        <a:rPr lang="es-ES" sz="1600" dirty="0">
+                        <a:rPr lang="en-GB" sz="1600" noProof="0">
                           <a:latin typeface="Bahnschrift" panose="020B0502040204020203" pitchFamily="34" charset="0"/>
                         </a:rPr>
                         <a:t>m</a:t>
@@ -12906,7 +12402,7 @@
                     <a:p>
                       <a:pPr algn="ctr"/>
                       <a:r>
-                        <a:rPr lang="es-ES" sz="1600" dirty="0">
+                        <a:rPr lang="en-GB" sz="1600" noProof="0">
                           <a:latin typeface="Bahnschrift" panose="020B0502040204020203" pitchFamily="34" charset="0"/>
                         </a:rPr>
                         <a:t>1.4</a:t>
@@ -12922,7 +12418,7 @@
                     <a:p>
                       <a:pPr algn="ctr"/>
                       <a:r>
-                        <a:rPr lang="es-ES" sz="1600" dirty="0">
+                        <a:rPr lang="en-GB" sz="1600" noProof="0">
                           <a:latin typeface="Bahnschrift" panose="020B0502040204020203" pitchFamily="34" charset="0"/>
                         </a:rPr>
                         <a:t>-</a:t>
@@ -12945,16 +12441,10 @@
                     <a:p>
                       <a:pPr algn="ctr"/>
                       <a:r>
-                        <a:rPr lang="es-ES" sz="1600" dirty="0" err="1">
+                        <a:rPr lang="en-GB" sz="1600" noProof="0">
                           <a:latin typeface="Bahnschrift" panose="020B0502040204020203" pitchFamily="34" charset="0"/>
                         </a:rPr>
-                        <a:t>Taper</a:t>
-                      </a:r>
-                      <a:r>
-                        <a:rPr lang="es-ES" sz="1600" dirty="0">
-                          <a:latin typeface="Bahnschrift" panose="020B0502040204020203" pitchFamily="34" charset="0"/>
-                        </a:rPr>
-                        <a:t> ratio</a:t>
+                        <a:t>Taper ratio</a:t>
                       </a:r>
                     </a:p>
                   </a:txBody>
@@ -12967,7 +12457,7 @@
                     <a:p>
                       <a:pPr algn="ctr"/>
                       <a:r>
-                        <a:rPr lang="es-ES" sz="1600" dirty="0">
+                        <a:rPr lang="en-GB" sz="1600" noProof="0">
                           <a:latin typeface="Bahnschrift" panose="020B0502040204020203" pitchFamily="34" charset="0"/>
                         </a:rPr>
                         <a:t>-</a:t>
@@ -12983,7 +12473,7 @@
                     <a:p>
                       <a:pPr algn="ctr"/>
                       <a:r>
-                        <a:rPr lang="es-ES" sz="1600" dirty="0">
+                        <a:rPr lang="en-GB" sz="1600" noProof="0">
                           <a:latin typeface="Bahnschrift" panose="020B0502040204020203" pitchFamily="34" charset="0"/>
                         </a:rPr>
                         <a:t>0.32</a:t>
@@ -12999,7 +12489,7 @@
                     <a:p>
                       <a:pPr algn="ctr"/>
                       <a:r>
-                        <a:rPr lang="es-ES" sz="1600" dirty="0">
+                        <a:rPr lang="en-GB" sz="1600" noProof="0">
                           <a:latin typeface="Bahnschrift" panose="020B0502040204020203" pitchFamily="34" charset="0"/>
                         </a:rPr>
                         <a:t>-</a:t>
@@ -13022,20 +12512,11 @@
                     <a:p>
                       <a:pPr algn="ctr"/>
                       <a:r>
-                        <a:rPr lang="es-ES" sz="1600" dirty="0">
+                        <a:rPr lang="en-GB" sz="1600" noProof="0">
                           <a:latin typeface="Bahnschrift" panose="020B0502040204020203" pitchFamily="34" charset="0"/>
                         </a:rPr>
-                        <a:t>Total </a:t>
+                        <a:t>Total mass</a:t>
                       </a:r>
-                      <a:r>
-                        <a:rPr lang="es-ES" sz="1600" dirty="0" err="1">
-                          <a:latin typeface="Bahnschrift" panose="020B0502040204020203" pitchFamily="34" charset="0"/>
-                        </a:rPr>
-                        <a:t>mass</a:t>
-                      </a:r>
-                      <a:endParaRPr lang="es-ES" sz="1600" dirty="0">
-                        <a:latin typeface="Bahnschrift" panose="020B0502040204020203" pitchFamily="34" charset="0"/>
-                      </a:endParaRPr>
                     </a:p>
                   </a:txBody>
                   <a:tcPr anchor="ctr"/>
@@ -13047,7 +12528,7 @@
                     <a:p>
                       <a:pPr algn="ctr"/>
                       <a:r>
-                        <a:rPr lang="es-ES" sz="1600" dirty="0">
+                        <a:rPr lang="en-GB" sz="1600" noProof="0">
                           <a:latin typeface="Bahnschrift" panose="020B0502040204020203" pitchFamily="34" charset="0"/>
                         </a:rPr>
                         <a:t>kg</a:t>
@@ -13063,7 +12544,7 @@
                     <a:p>
                       <a:pPr algn="ctr"/>
                       <a:r>
-                        <a:rPr lang="es-ES" sz="1600" dirty="0">
+                        <a:rPr lang="en-GB" sz="1600" noProof="0">
                           <a:latin typeface="Bahnschrift" panose="020B0502040204020203" pitchFamily="34" charset="0"/>
                         </a:rPr>
                         <a:t>378</a:t>
@@ -13079,7 +12560,7 @@
                     <a:p>
                       <a:pPr algn="ctr"/>
                       <a:r>
-                        <a:rPr lang="es-ES" sz="1600" dirty="0">
+                        <a:rPr lang="en-GB" sz="1600" noProof="0">
                           <a:latin typeface="Bahnschrift" panose="020B0502040204020203" pitchFamily="34" charset="0"/>
                         </a:rPr>
                         <a:t>320</a:t>
@@ -13102,24 +12583,34 @@
                     <a:p>
                       <a:pPr algn="ctr"/>
                       <a:r>
-                        <a:rPr lang="es-ES" sz="1600" dirty="0" err="1">
+                        <a:rPr lang="en-GB" sz="1600" noProof="0">
                           <a:latin typeface="Bahnschrift" panose="020B0502040204020203" pitchFamily="34" charset="0"/>
                         </a:rPr>
-                        <a:t>Wing</a:t>
+                        <a:t>Wing surface</a:t>
+                      </a:r>
+                    </a:p>
+                  </a:txBody>
+                  <a:tcPr anchor="ctr"/>
+                </a:tc>
+                <a:tc>
+                  <a:txBody>
+                    <a:bodyPr/>
+                    <a:lstStyle/>
+                    <a:p>
+                      <a:pPr algn="ctr"/>
+                      <a:r>
+                        <a:rPr lang="en-GB" sz="1600" noProof="0">
+                          <a:latin typeface="Bahnschrift" panose="020B0502040204020203" pitchFamily="34" charset="0"/>
+                        </a:rPr>
+                        <a:t>m</a:t>
                       </a:r>
                       <a:r>
-                        <a:rPr lang="es-ES" sz="1600" dirty="0">
+                        <a:rPr lang="en-GB" sz="1600" baseline="30000" noProof="0">
                           <a:latin typeface="Bahnschrift" panose="020B0502040204020203" pitchFamily="34" charset="0"/>
                         </a:rPr>
-                        <a:t> </a:t>
+                        <a:t>2</a:t>
                       </a:r>
-                      <a:r>
-                        <a:rPr lang="es-ES" sz="1600" dirty="0" err="1">
-                          <a:latin typeface="Bahnschrift" panose="020B0502040204020203" pitchFamily="34" charset="0"/>
-                        </a:rPr>
-                        <a:t>surface</a:t>
-                      </a:r>
-                      <a:endParaRPr lang="es-ES" sz="1600" dirty="0">
+                      <a:endParaRPr lang="en-GB" sz="1600" noProof="0">
                         <a:latin typeface="Bahnschrift" panose="020B0502040204020203" pitchFamily="34" charset="0"/>
                       </a:endParaRPr>
                     </a:p>
@@ -13133,32 +12624,7 @@
                     <a:p>
                       <a:pPr algn="ctr"/>
                       <a:r>
-                        <a:rPr lang="es-ES" sz="1600" dirty="0">
-                          <a:latin typeface="Bahnschrift" panose="020B0502040204020203" pitchFamily="34" charset="0"/>
-                        </a:rPr>
-                        <a:t>m</a:t>
-                      </a:r>
-                      <a:r>
-                        <a:rPr lang="es-ES" sz="1600" baseline="30000" dirty="0">
-                          <a:latin typeface="Bahnschrift" panose="020B0502040204020203" pitchFamily="34" charset="0"/>
-                        </a:rPr>
-                        <a:t>2</a:t>
-                      </a:r>
-                      <a:endParaRPr lang="es-ES" sz="1600" dirty="0">
-                        <a:latin typeface="Bahnschrift" panose="020B0502040204020203" pitchFamily="34" charset="0"/>
-                      </a:endParaRPr>
-                    </a:p>
-                  </a:txBody>
-                  <a:tcPr anchor="ctr"/>
-                </a:tc>
-                <a:tc>
-                  <a:txBody>
-                    <a:bodyPr/>
-                    <a:lstStyle/>
-                    <a:p>
-                      <a:pPr algn="ctr"/>
-                      <a:r>
-                        <a:rPr lang="es-ES" sz="1600" dirty="0">
+                        <a:rPr lang="en-GB" sz="1600" noProof="0">
                           <a:latin typeface="Bahnschrift" panose="020B0502040204020203" pitchFamily="34" charset="0"/>
                         </a:rPr>
                         <a:t>86.6</a:t>
@@ -13174,7 +12640,7 @@
                     <a:p>
                       <a:pPr algn="ctr"/>
                       <a:r>
-                        <a:rPr lang="es-ES" sz="1600" dirty="0">
+                        <a:rPr lang="en-GB" sz="1600" noProof="0">
                           <a:latin typeface="Bahnschrift" panose="020B0502040204020203" pitchFamily="34" charset="0"/>
                         </a:rPr>
                         <a:t>71.8</a:t>
@@ -13197,16 +12663,10 @@
                     <a:p>
                       <a:pPr algn="ctr"/>
                       <a:r>
-                        <a:rPr lang="es-ES" sz="1600" dirty="0" err="1">
+                        <a:rPr lang="en-GB" sz="1600" noProof="0">
                           <a:latin typeface="Bahnschrift" panose="020B0502040204020203" pitchFamily="34" charset="0"/>
                         </a:rPr>
-                        <a:t>Aspect</a:t>
-                      </a:r>
-                      <a:r>
-                        <a:rPr lang="es-ES" sz="1600" dirty="0">
-                          <a:latin typeface="Bahnschrift" panose="020B0502040204020203" pitchFamily="34" charset="0"/>
-                        </a:rPr>
-                        <a:t> ratio</a:t>
+                        <a:t>Aspect ratio</a:t>
                       </a:r>
                     </a:p>
                   </a:txBody>
@@ -13219,7 +12679,7 @@
                     <a:p>
                       <a:pPr algn="ctr"/>
                       <a:r>
-                        <a:rPr lang="es-ES" sz="1600" dirty="0">
+                        <a:rPr lang="en-GB" sz="1600" noProof="0">
                           <a:latin typeface="Bahnschrift" panose="020B0502040204020203" pitchFamily="34" charset="0"/>
                         </a:rPr>
                         <a:t>-</a:t>
@@ -13235,7 +12695,7 @@
                     <a:p>
                       <a:pPr algn="ctr"/>
                       <a:r>
-                        <a:rPr lang="es-ES" sz="1600" dirty="0">
+                        <a:rPr lang="en-GB" sz="1600" noProof="0">
                           <a:latin typeface="Bahnschrift" panose="020B0502040204020203" pitchFamily="34" charset="0"/>
                         </a:rPr>
                         <a:t>94</a:t>
@@ -13251,7 +12711,7 @@
                     <a:p>
                       <a:pPr algn="ctr"/>
                       <a:r>
-                        <a:rPr lang="es-ES" sz="1600" dirty="0">
+                        <a:rPr lang="en-GB" sz="1600" noProof="0">
                           <a:latin typeface="Bahnschrift" panose="020B0502040204020203" pitchFamily="34" charset="0"/>
                         </a:rPr>
                         <a:t>29</a:t>
@@ -13274,24 +12734,24 @@
                     <a:p>
                       <a:pPr algn="ctr"/>
                       <a:r>
-                        <a:rPr lang="es-ES" sz="1600" dirty="0" err="1">
+                        <a:rPr lang="en-GB" sz="1600" noProof="0">
                           <a:latin typeface="Bahnschrift" panose="020B0502040204020203" pitchFamily="34" charset="0"/>
                         </a:rPr>
                         <a:t>C</a:t>
                       </a:r>
                       <a:r>
-                        <a:rPr lang="es-ES" sz="1600" baseline="-25000" dirty="0" err="1">
+                        <a:rPr lang="en-GB" sz="1600" baseline="-25000" noProof="0">
                           <a:latin typeface="Bahnschrift" panose="020B0502040204020203" pitchFamily="34" charset="0"/>
                         </a:rPr>
                         <a:t>L</a:t>
                       </a:r>
                       <a:r>
-                        <a:rPr lang="es-ES" sz="1600" baseline="30000" dirty="0" err="1">
+                        <a:rPr lang="en-GB" sz="1600" baseline="30000" noProof="0">
                           <a:latin typeface="Bahnschrift" panose="020B0502040204020203" pitchFamily="34" charset="0"/>
                         </a:rPr>
                         <a:t>cruise</a:t>
                       </a:r>
-                      <a:endParaRPr lang="es-ES" sz="1600" dirty="0">
+                      <a:endParaRPr lang="en-GB" sz="1600" noProof="0">
                         <a:latin typeface="Bahnschrift" panose="020B0502040204020203" pitchFamily="34" charset="0"/>
                       </a:endParaRPr>
                     </a:p>
@@ -13305,7 +12765,7 @@
                     <a:p>
                       <a:pPr algn="ctr"/>
                       <a:r>
-                        <a:rPr lang="es-ES" sz="1600" dirty="0">
+                        <a:rPr lang="en-GB" sz="1600" noProof="0">
                           <a:latin typeface="Bahnschrift" panose="020B0502040204020203" pitchFamily="34" charset="0"/>
                         </a:rPr>
                         <a:t>-</a:t>
@@ -13321,7 +12781,7 @@
                     <a:p>
                       <a:pPr algn="ctr"/>
                       <a:r>
-                        <a:rPr lang="es-ES" sz="1600" dirty="0">
+                        <a:rPr lang="en-GB" sz="1600" noProof="0">
                           <a:latin typeface="Bahnschrift" panose="020B0502040204020203" pitchFamily="34" charset="0"/>
                         </a:rPr>
                         <a:t>1.31</a:t>
@@ -13337,7 +12797,7 @@
                     <a:p>
                       <a:pPr algn="ctr"/>
                       <a:r>
-                        <a:rPr lang="es-ES" sz="1600" dirty="0">
+                        <a:rPr lang="en-GB" sz="1600" noProof="0">
                           <a:latin typeface="Bahnschrift" panose="020B0502040204020203" pitchFamily="34" charset="0"/>
                         </a:rPr>
                         <a:t>1.33</a:t>
@@ -13360,48 +12820,48 @@
                     <a:p>
                       <a:pPr algn="ctr"/>
                       <a:r>
-                        <a:rPr lang="es-ES" sz="1600" dirty="0">
+                        <a:rPr lang="en-GB" sz="1600" noProof="0">
                           <a:latin typeface="Bahnschrift" panose="020B0502040204020203" pitchFamily="34" charset="0"/>
                         </a:rPr>
                         <a:t>(C</a:t>
                       </a:r>
                       <a:r>
-                        <a:rPr lang="es-ES" sz="1600" strike="noStrike" baseline="-25000" dirty="0">
+                        <a:rPr lang="en-GB" sz="1600" strike="noStrike" baseline="-25000" noProof="0">
                           <a:latin typeface="Bahnschrift" panose="020B0502040204020203" pitchFamily="34" charset="0"/>
                         </a:rPr>
                         <a:t>L</a:t>
                       </a:r>
                       <a:r>
-                        <a:rPr lang="es-ES" sz="1600" strike="noStrike" baseline="30000" dirty="0">
+                        <a:rPr lang="en-GB" sz="1600" strike="noStrike" baseline="30000" noProof="0">
                           <a:latin typeface="Bahnschrift" panose="020B0502040204020203" pitchFamily="34" charset="0"/>
                         </a:rPr>
                         <a:t>3/2</a:t>
                       </a:r>
                       <a:r>
-                        <a:rPr lang="es-ES" sz="1600" strike="noStrike" baseline="0" dirty="0">
+                        <a:rPr lang="en-GB" sz="1600" strike="noStrike" baseline="0" noProof="0">
                           <a:latin typeface="Bahnschrift" panose="020B0502040204020203" pitchFamily="34" charset="0"/>
                         </a:rPr>
                         <a:t>/C</a:t>
                       </a:r>
                       <a:r>
-                        <a:rPr lang="es-ES" sz="1600" strike="noStrike" baseline="-25000" dirty="0">
+                        <a:rPr lang="en-GB" sz="1600" strike="noStrike" baseline="-25000" noProof="0">
                           <a:latin typeface="Bahnschrift" panose="020B0502040204020203" pitchFamily="34" charset="0"/>
                         </a:rPr>
                         <a:t>D</a:t>
                       </a:r>
                       <a:r>
-                        <a:rPr lang="es-ES" sz="1600" strike="noStrike" baseline="0" dirty="0">
+                        <a:rPr lang="en-GB" sz="1600" strike="noStrike" baseline="0" noProof="0">
                           <a:latin typeface="Bahnschrift" panose="020B0502040204020203" pitchFamily="34" charset="0"/>
                         </a:rPr>
                         <a:t>)</a:t>
                       </a:r>
                       <a:r>
-                        <a:rPr lang="es-ES" sz="1600" strike="noStrike" baseline="30000" dirty="0" err="1">
+                        <a:rPr lang="en-GB" sz="1600" strike="noStrike" baseline="30000" noProof="0">
                           <a:latin typeface="Bahnschrift" panose="020B0502040204020203" pitchFamily="34" charset="0"/>
                         </a:rPr>
                         <a:t>cruise</a:t>
                       </a:r>
-                      <a:endParaRPr lang="es-ES" sz="1600" dirty="0">
+                      <a:endParaRPr lang="en-GB" sz="1600" noProof="0">
                         <a:latin typeface="Bahnschrift" panose="020B0502040204020203" pitchFamily="34" charset="0"/>
                       </a:endParaRPr>
                     </a:p>
@@ -13415,7 +12875,7 @@
                     <a:p>
                       <a:pPr algn="ctr"/>
                       <a:r>
-                        <a:rPr lang="es-ES" sz="1600" dirty="0">
+                        <a:rPr lang="en-GB" sz="1600" noProof="0">
                           <a:latin typeface="Bahnschrift" panose="020B0502040204020203" pitchFamily="34" charset="0"/>
                         </a:rPr>
                         <a:t>-</a:t>
@@ -13431,7 +12891,7 @@
                     <a:p>
                       <a:pPr algn="ctr"/>
                       <a:r>
-                        <a:rPr lang="es-ES" sz="1600" dirty="0">
+                        <a:rPr lang="en-GB" sz="1600" noProof="0">
                           <a:latin typeface="Bahnschrift" panose="020B0502040204020203" pitchFamily="34" charset="0"/>
                         </a:rPr>
                         <a:t>44.1</a:t>
@@ -13447,7 +12907,7 @@
                     <a:p>
                       <a:pPr algn="ctr"/>
                       <a:r>
-                        <a:rPr lang="es-ES" sz="1600" dirty="0">
+                        <a:rPr lang="en-GB" sz="1600" noProof="0" dirty="0">
                           <a:latin typeface="Bahnschrift" panose="020B0502040204020203" pitchFamily="34" charset="0"/>
                         </a:rPr>
                         <a:t>40.1</a:t>
@@ -13500,9 +12960,10 @@
           <a:lstStyle/>
           <a:p>
             <a:r>
-              <a:rPr lang="es-ES" dirty="0"/>
+              <a:rPr lang="en-GB"/>
               <a:t>STATE OF THE ART</a:t>
             </a:r>
+            <a:endParaRPr lang="en-GB" dirty="0"/>
           </a:p>
         </p:txBody>
       </p:sp>
@@ -13761,7 +13222,7 @@
               <a:defRPr/>
             </a:pPr>
             <a:r>
-              <a:rPr kumimoji="0" lang="es-ES" sz="1600" b="0" i="0" u="none" strike="noStrike" kern="1200" cap="none" spc="0" normalizeH="0" baseline="0" noProof="0" dirty="0">
+              <a:rPr kumimoji="0" lang="en-GB" sz="1600" b="0" i="0" u="none" strike="noStrike" kern="1200" cap="none" spc="0" normalizeH="0" baseline="0" noProof="0">
                 <a:ln>
                   <a:noFill/>
                 </a:ln>
@@ -13780,6 +13241,23 @@
               </a:rPr>
               <a:t>Víctor M. GUADAÑO MARTÍN</a:t>
             </a:r>
+            <a:endParaRPr kumimoji="0" lang="en-GB" sz="1600" b="0" i="0" u="none" strike="noStrike" kern="1200" cap="none" spc="0" normalizeH="0" baseline="0" noProof="0" dirty="0">
+              <a:ln>
+                <a:noFill/>
+              </a:ln>
+              <a:solidFill>
+                <a:srgbClr val="000000">
+                  <a:lumMod val="85000"/>
+                  <a:lumOff val="15000"/>
+                </a:srgbClr>
+              </a:solidFill>
+              <a:effectLst/>
+              <a:uLnTx/>
+              <a:uFillTx/>
+              <a:latin typeface="Gill Sans MT" panose="020B0502020104020203"/>
+              <a:ea typeface="+mn-ea"/>
+              <a:cs typeface="+mn-cs"/>
+            </a:endParaRPr>
           </a:p>
         </p:txBody>
       </p:sp>
@@ -14082,7 +13560,7 @@
               <a:defRPr/>
             </a:pPr>
             <a:r>
-              <a:rPr lang="es-ES" sz="1600" dirty="0">
+              <a:rPr lang="en-GB" sz="1600">
                 <a:solidFill>
                   <a:srgbClr val="000000">
                     <a:lumMod val="85000"/>
@@ -14093,7 +13571,7 @@
               </a:rPr>
               <a:t>HALE AEROECODESIGN</a:t>
             </a:r>
-            <a:endParaRPr kumimoji="0" lang="es-ES" sz="1600" b="0" i="0" u="none" strike="noStrike" kern="1200" cap="none" spc="0" normalizeH="0" baseline="0" noProof="0" dirty="0">
+            <a:endParaRPr kumimoji="0" lang="en-GB" sz="1600" b="0" i="0" u="none" strike="noStrike" kern="1200" cap="none" spc="0" normalizeH="0" baseline="0" noProof="0" dirty="0">
               <a:ln>
                 <a:noFill/>
               </a:ln>
@@ -14356,7 +13834,7 @@
               <a:buNone/>
             </a:pPr>
             <a:r>
-              <a:rPr lang="en-US" sz="1400" dirty="0">
+              <a:rPr lang="en-GB" sz="1400" dirty="0">
                 <a:solidFill>
                   <a:schemeClr val="tx1">
                     <a:lumMod val="65000"/>
@@ -14368,7 +13846,7 @@
               <a:t>E. </a:t>
             </a:r>
             <a:r>
-              <a:rPr lang="en-US" sz="1400" dirty="0" err="1">
+              <a:rPr lang="en-GB" sz="1400" dirty="0" err="1">
                 <a:solidFill>
                   <a:schemeClr val="tx1">
                     <a:lumMod val="65000"/>
@@ -14380,7 +13858,7 @@
               <a:t>Duriez</a:t>
             </a:r>
             <a:r>
-              <a:rPr lang="en-US" sz="1400" dirty="0">
+              <a:rPr lang="en-GB" sz="1400" dirty="0">
                 <a:solidFill>
                   <a:schemeClr val="tx1">
                     <a:lumMod val="65000"/>
@@ -14392,7 +13870,7 @@
               <a:t> and J. </a:t>
             </a:r>
             <a:r>
-              <a:rPr lang="en-US" sz="1400" dirty="0" err="1">
+              <a:rPr lang="en-GB" sz="1400" dirty="0" err="1">
                 <a:solidFill>
                   <a:schemeClr val="tx1">
                     <a:lumMod val="65000"/>
@@ -14404,7 +13882,7 @@
               <a:t>Morlier</a:t>
             </a:r>
             <a:r>
-              <a:rPr lang="en-US" sz="1400" dirty="0">
+              <a:rPr lang="en-GB" sz="1400" dirty="0">
                 <a:solidFill>
                   <a:schemeClr val="tx1">
                     <a:lumMod val="65000"/>
@@ -14416,7 +13894,7 @@
               <a:t>, “Hale multidisciplinary design optimization with a focus on eco-material selection,” ISAE </a:t>
             </a:r>
             <a:r>
-              <a:rPr lang="en-US" sz="1400" dirty="0" err="1">
+              <a:rPr lang="en-GB" sz="1400" dirty="0" err="1">
                 <a:solidFill>
                   <a:schemeClr val="tx1">
                     <a:lumMod val="65000"/>
@@ -14428,7 +13906,7 @@
               <a:t>Supaero</a:t>
             </a:r>
             <a:r>
-              <a:rPr lang="en-US" sz="1400" dirty="0">
+              <a:rPr lang="en-GB" sz="1400" dirty="0">
                 <a:solidFill>
                   <a:schemeClr val="tx1">
                     <a:lumMod val="65000"/>
@@ -14483,31 +13961,7 @@
                 </a:solidFill>
                 <a:latin typeface="Bahnschrift" panose="020B0502040204020203" pitchFamily="34" charset="0"/>
               </a:rPr>
-              <a:t>, “Hale multidisciplinary design </a:t>
-            </a:r>
-            <a:r>
-              <a:rPr lang="en-GB" sz="1400" dirty="0" err="1">
-                <a:solidFill>
-                  <a:schemeClr val="tx1">
-                    <a:lumMod val="65000"/>
-                    <a:lumOff val="35000"/>
-                  </a:schemeClr>
-                </a:solidFill>
-                <a:latin typeface="Bahnschrift" panose="020B0502040204020203" pitchFamily="34" charset="0"/>
-              </a:rPr>
-              <a:t>opti-mization</a:t>
-            </a:r>
-            <a:r>
-              <a:rPr lang="en-GB" sz="1400" dirty="0">
-                <a:solidFill>
-                  <a:schemeClr val="tx1">
-                    <a:lumMod val="65000"/>
-                    <a:lumOff val="35000"/>
-                  </a:schemeClr>
-                </a:solidFill>
-                <a:latin typeface="Bahnschrift" panose="020B0502040204020203" pitchFamily="34" charset="0"/>
-              </a:rPr>
-              <a:t> part i:  Solar-powered single and multiple-boom aircraft,” in 2018 </a:t>
+              <a:t>, “Hale multidisciplinary design optimization part i:  Solar-powered single and multiple-boom aircraft,” in 2018 </a:t>
             </a:r>
             <a:r>
               <a:rPr lang="en-GB" sz="1400" dirty="0" err="1">
@@ -14779,7 +14233,7 @@
               <a:buNone/>
             </a:pPr>
             <a:r>
-              <a:rPr lang="en-US" sz="1400" dirty="0">
+              <a:rPr lang="en-GB" sz="1400">
                 <a:solidFill>
                   <a:schemeClr val="tx1">
                     <a:lumMod val="65000"/>
@@ -15045,7 +14499,7 @@
               <a:buNone/>
             </a:pPr>
             <a:r>
-              <a:rPr lang="en-US" sz="1400" dirty="0">
+              <a:rPr lang="en-GB" sz="1400">
                 <a:solidFill>
                   <a:schemeClr val="tx1">
                     <a:lumMod val="65000"/>
@@ -15311,7 +14765,7 @@
               <a:buNone/>
             </a:pPr>
             <a:r>
-              <a:rPr lang="en-US" sz="1400" dirty="0">
+              <a:rPr lang="en-GB" sz="1400">
                 <a:latin typeface="Bahnschrift" panose="020B0502040204020203" pitchFamily="34" charset="0"/>
               </a:rPr>
               <a:t>Table 1: Design variable values for validation case [1]</a:t>
@@ -15646,7 +15100,7 @@
               <a:buNone/>
             </a:pPr>
             <a:r>
-              <a:rPr lang="en-US" sz="1400" dirty="0">
+              <a:rPr lang="en-GB" sz="1400">
                 <a:latin typeface="Bahnschrift" panose="020B0502040204020203" pitchFamily="34" charset="0"/>
               </a:rPr>
               <a:t>Fig. 2: Optimal HALE wing structure [1]</a:t>
@@ -15900,7 +15354,7 @@
               <a:buNone/>
             </a:pPr>
             <a:r>
-              <a:rPr lang="en-US" sz="1400" dirty="0">
+              <a:rPr lang="en-GB" sz="1400">
                 <a:latin typeface="Bahnschrift" panose="020B0502040204020203" pitchFamily="34" charset="0"/>
               </a:rPr>
               <a:t>Fig. 3: Facebook’s single-boom HALE [2]</a:t>
@@ -16275,9 +15729,10 @@
           <a:lstStyle/>
           <a:p>
             <a:r>
-              <a:rPr lang="es-ES" dirty="0"/>
+              <a:rPr lang="en-GB"/>
               <a:t>GOAL OF THE PROJECT</a:t>
             </a:r>
+            <a:endParaRPr lang="en-GB" dirty="0"/>
           </a:p>
         </p:txBody>
       </p:sp>
@@ -16320,19 +15775,19 @@
               </a:buClr>
             </a:pPr>
             <a:r>
-              <a:rPr lang="en-US" dirty="0">
+              <a:rPr lang="en-GB" dirty="0">
                 <a:latin typeface="Bahnschrift" panose="020B0502040204020203" pitchFamily="34" charset="0"/>
               </a:rPr>
               <a:t>Refine a modified version of </a:t>
             </a:r>
             <a:r>
-              <a:rPr lang="en-US" dirty="0" err="1">
+              <a:rPr lang="en-GB" dirty="0" err="1">
                 <a:latin typeface="Bahnschrift" panose="020B0502040204020203" pitchFamily="34" charset="0"/>
               </a:rPr>
               <a:t>OpenAeroStruct</a:t>
             </a:r>
             <a:r>
-              <a:rPr lang="en-US" dirty="0">
+              <a:rPr lang="en-GB" dirty="0">
                 <a:latin typeface="Bahnschrift" panose="020B0502040204020203" pitchFamily="34" charset="0"/>
               </a:rPr>
               <a:t> presented in [1]</a:t>
@@ -16350,58 +15805,22 @@
               </a:buClr>
             </a:pPr>
             <a:r>
-              <a:rPr lang="es-ES" dirty="0">
+              <a:rPr lang="en-GB" dirty="0">
                 <a:latin typeface="Bahnschrift" panose="020B0502040204020203" pitchFamily="34" charset="0"/>
               </a:rPr>
               <a:t>CO</a:t>
             </a:r>
             <a:r>
-              <a:rPr lang="es-ES" baseline="-25000" dirty="0">
+              <a:rPr lang="en-GB" baseline="-25000" dirty="0">
                 <a:latin typeface="Bahnschrift" panose="020B0502040204020203" pitchFamily="34" charset="0"/>
               </a:rPr>
               <a:t>2</a:t>
             </a:r>
             <a:r>
-              <a:rPr lang="es-ES" dirty="0">
+              <a:rPr lang="en-GB" dirty="0">
                 <a:latin typeface="Bahnschrift" panose="020B0502040204020203" pitchFamily="34" charset="0"/>
               </a:rPr>
-              <a:t> </a:t>
-            </a:r>
-            <a:r>
-              <a:rPr lang="es-ES" dirty="0" err="1">
-                <a:latin typeface="Bahnschrift" panose="020B0502040204020203" pitchFamily="34" charset="0"/>
-              </a:rPr>
-              <a:t>footprint</a:t>
-            </a:r>
-            <a:r>
-              <a:rPr lang="es-ES" dirty="0">
-                <a:latin typeface="Bahnschrift" panose="020B0502040204020203" pitchFamily="34" charset="0"/>
-              </a:rPr>
-              <a:t> </a:t>
-            </a:r>
-            <a:r>
-              <a:rPr lang="es-ES" dirty="0" err="1">
-                <a:latin typeface="Bahnschrift" panose="020B0502040204020203" pitchFamily="34" charset="0"/>
-              </a:rPr>
-              <a:t>optimization</a:t>
-            </a:r>
-            <a:r>
-              <a:rPr lang="es-ES" dirty="0">
-                <a:latin typeface="Bahnschrift" panose="020B0502040204020203" pitchFamily="34" charset="0"/>
-              </a:rPr>
-              <a:t> </a:t>
-            </a:r>
-            <a:r>
-              <a:rPr lang="es-ES" dirty="0" err="1">
-                <a:latin typeface="Bahnschrift" panose="020B0502040204020203" pitchFamily="34" charset="0"/>
-              </a:rPr>
-              <a:t>of</a:t>
-            </a:r>
-            <a:r>
-              <a:rPr lang="es-ES" dirty="0">
-                <a:latin typeface="Bahnschrift" panose="020B0502040204020203" pitchFamily="34" charset="0"/>
-              </a:rPr>
-              <a:t> a HALE</a:t>
+              <a:t> footprint optimization of a HALE</a:t>
             </a:r>
           </a:p>
           <a:p>
@@ -16416,7 +15835,7 @@
               </a:buClr>
             </a:pPr>
             <a:r>
-              <a:rPr lang="en-US" dirty="0">
+              <a:rPr lang="en-GB">
                 <a:latin typeface="Bahnschrift" panose="020B0502040204020203" pitchFamily="34" charset="0"/>
               </a:rPr>
               <a:t>Compromise solution between:</a:t>
@@ -16431,22 +15850,10 @@
               </a:buClr>
             </a:pPr>
             <a:r>
-              <a:rPr lang="en-US" dirty="0">
+              <a:rPr lang="en-GB">
                 <a:latin typeface="Bahnschrift" panose="020B0502040204020203" pitchFamily="34" charset="0"/>
               </a:rPr>
-              <a:t>Convergence of the optimization</a:t>
-            </a:r>
-            <a:r>
-              <a:rPr lang="es-ES" dirty="0">
-                <a:latin typeface="Bahnschrift" panose="020B0502040204020203" pitchFamily="34" charset="0"/>
-              </a:rPr>
-              <a:t>   ➤   </a:t>
-            </a:r>
-            <a:r>
-              <a:rPr lang="en-US" dirty="0">
-                <a:latin typeface="Bahnschrift" panose="020B0502040204020203" pitchFamily="34" charset="0"/>
-              </a:rPr>
-              <a:t>Efficiency</a:t>
+              <a:t>Convergence of the optimization   ➤   Efficiency</a:t>
             </a:r>
           </a:p>
           <a:p>
@@ -16458,22 +15865,10 @@
               </a:buClr>
             </a:pPr>
             <a:r>
-              <a:rPr lang="en-US" dirty="0">
+              <a:rPr lang="en-GB">
                 <a:latin typeface="Bahnschrift" panose="020B0502040204020203" pitchFamily="34" charset="0"/>
               </a:rPr>
-              <a:t>Complexity  of  the  model   </a:t>
-            </a:r>
-            <a:r>
-              <a:rPr lang="es-ES" dirty="0">
-                <a:latin typeface="Bahnschrift" panose="020B0502040204020203" pitchFamily="34" charset="0"/>
-              </a:rPr>
-              <a:t>➤   </a:t>
-            </a:r>
-            <a:r>
-              <a:rPr lang="en-US" dirty="0">
-                <a:latin typeface="Bahnschrift" panose="020B0502040204020203" pitchFamily="34" charset="0"/>
-              </a:rPr>
-              <a:t>Realistic</a:t>
+              <a:t>Complexity  of  the  model   ➤   Realistic</a:t>
             </a:r>
           </a:p>
           <a:p>
@@ -16748,7 +16143,7 @@
               <a:defRPr/>
             </a:pPr>
             <a:r>
-              <a:rPr kumimoji="0" lang="es-ES" sz="1600" b="0" i="0" u="none" strike="noStrike" kern="1200" cap="none" spc="0" normalizeH="0" baseline="0" noProof="0" dirty="0">
+              <a:rPr kumimoji="0" lang="en-GB" sz="1600" b="0" i="0" u="none" strike="noStrike" kern="1200" cap="none" spc="0" normalizeH="0" baseline="0" noProof="0">
                 <a:ln>
                   <a:noFill/>
                 </a:ln>
@@ -16767,6 +16162,23 @@
               </a:rPr>
               <a:t>Víctor M. GUADAÑO MARTÍN</a:t>
             </a:r>
+            <a:endParaRPr kumimoji="0" lang="en-GB" sz="1600" b="0" i="0" u="none" strike="noStrike" kern="1200" cap="none" spc="0" normalizeH="0" baseline="0" noProof="0" dirty="0">
+              <a:ln>
+                <a:noFill/>
+              </a:ln>
+              <a:solidFill>
+                <a:srgbClr val="000000">
+                  <a:lumMod val="85000"/>
+                  <a:lumOff val="15000"/>
+                </a:srgbClr>
+              </a:solidFill>
+              <a:effectLst/>
+              <a:uLnTx/>
+              <a:uFillTx/>
+              <a:latin typeface="Gill Sans MT" panose="020B0502020104020203"/>
+              <a:ea typeface="+mn-ea"/>
+              <a:cs typeface="+mn-cs"/>
+            </a:endParaRPr>
           </a:p>
         </p:txBody>
       </p:sp>
@@ -16792,11 +16204,11 @@
           <a:lstStyle/>
           <a:p>
             <a:fld id="{8A7A6979-0714-4377-B894-6BE4C2D6E202}" type="slidenum">
-              <a:rPr lang="en-US" smtClean="0"/>
+              <a:rPr lang="en-GB" smtClean="0"/>
               <a:pPr/>
               <a:t>5</a:t>
             </a:fld>
-            <a:endParaRPr lang="en-US" dirty="0"/>
+            <a:endParaRPr lang="en-GB" dirty="0"/>
           </a:p>
         </p:txBody>
       </p:sp>
@@ -17099,7 +16511,7 @@
               <a:defRPr/>
             </a:pPr>
             <a:r>
-              <a:rPr lang="es-ES" sz="1600" dirty="0">
+              <a:rPr lang="en-GB" sz="1600">
                 <a:solidFill>
                   <a:srgbClr val="000000">
                     <a:lumMod val="85000"/>
@@ -17110,7 +16522,7 @@
               </a:rPr>
               <a:t>HALE AEROECODESIGN</a:t>
             </a:r>
-            <a:endParaRPr kumimoji="0" lang="es-ES" sz="1600" b="0" i="0" u="none" strike="noStrike" kern="1200" cap="none" spc="0" normalizeH="0" baseline="0" noProof="0" dirty="0">
+            <a:endParaRPr kumimoji="0" lang="en-GB" sz="1600" b="0" i="0" u="none" strike="noStrike" kern="1200" cap="none" spc="0" normalizeH="0" baseline="0" noProof="0" dirty="0">
               <a:ln>
                 <a:noFill/>
               </a:ln>
@@ -17373,7 +16785,7 @@
               <a:buNone/>
             </a:pPr>
             <a:r>
-              <a:rPr lang="en-US" sz="1400" dirty="0">
+              <a:rPr lang="en-GB" sz="1400" dirty="0">
                 <a:solidFill>
                   <a:schemeClr val="tx1">
                     <a:lumMod val="65000"/>
@@ -17385,7 +16797,7 @@
               <a:t>E. </a:t>
             </a:r>
             <a:r>
-              <a:rPr lang="en-US" sz="1400" dirty="0" err="1">
+              <a:rPr lang="en-GB" sz="1400" dirty="0" err="1">
                 <a:solidFill>
                   <a:schemeClr val="tx1">
                     <a:lumMod val="65000"/>
@@ -17397,7 +16809,7 @@
               <a:t>Duriez</a:t>
             </a:r>
             <a:r>
-              <a:rPr lang="en-US" sz="1400" dirty="0">
+              <a:rPr lang="en-GB" sz="1400" dirty="0">
                 <a:solidFill>
                   <a:schemeClr val="tx1">
                     <a:lumMod val="65000"/>
@@ -17409,7 +16821,7 @@
               <a:t> and J. </a:t>
             </a:r>
             <a:r>
-              <a:rPr lang="en-US" sz="1400" dirty="0" err="1">
+              <a:rPr lang="en-GB" sz="1400" dirty="0" err="1">
                 <a:solidFill>
                   <a:schemeClr val="tx1">
                     <a:lumMod val="65000"/>
@@ -17421,7 +16833,7 @@
               <a:t>Morlier</a:t>
             </a:r>
             <a:r>
-              <a:rPr lang="en-US" sz="1400" dirty="0">
+              <a:rPr lang="en-GB" sz="1400" dirty="0">
                 <a:solidFill>
                   <a:schemeClr val="tx1">
                     <a:lumMod val="65000"/>
@@ -17433,7 +16845,7 @@
               <a:t>, “Hale multidisciplinary design optimization with a focus on eco-material selection,” ISAE </a:t>
             </a:r>
             <a:r>
-              <a:rPr lang="en-US" sz="1400" dirty="0" err="1">
+              <a:rPr lang="en-GB" sz="1400" dirty="0" err="1">
                 <a:solidFill>
                   <a:schemeClr val="tx1">
                     <a:lumMod val="65000"/>
@@ -17445,7 +16857,7 @@
               <a:t>Supaero</a:t>
             </a:r>
             <a:r>
-              <a:rPr lang="en-US" sz="1400" dirty="0">
+              <a:rPr lang="en-GB" sz="1400">
                 <a:solidFill>
                   <a:schemeClr val="tx1">
                     <a:lumMod val="65000"/>
@@ -17711,7 +17123,7 @@
               <a:buNone/>
             </a:pPr>
             <a:r>
-              <a:rPr lang="en-US" sz="1400" dirty="0">
+              <a:rPr lang="en-GB" sz="1400">
                 <a:solidFill>
                   <a:schemeClr val="tx1">
                     <a:lumMod val="65000"/>
@@ -17798,9 +17210,10 @@
           <a:lstStyle/>
           <a:p>
             <a:r>
-              <a:rPr lang="es-ES" dirty="0"/>
+              <a:rPr lang="en-GB"/>
               <a:t>MILESTONES OF THE PROJECT</a:t>
             </a:r>
+            <a:endParaRPr lang="en-GB" dirty="0"/>
           </a:p>
         </p:txBody>
       </p:sp>
@@ -18059,7 +17472,7 @@
               <a:defRPr/>
             </a:pPr>
             <a:r>
-              <a:rPr kumimoji="0" lang="es-ES" sz="1600" b="0" i="0" u="none" strike="noStrike" kern="1200" cap="none" spc="0" normalizeH="0" baseline="0" noProof="0" dirty="0">
+              <a:rPr kumimoji="0" lang="en-GB" sz="1600" b="0" i="0" u="none" strike="noStrike" kern="1200" cap="none" spc="0" normalizeH="0" baseline="0" noProof="0">
                 <a:ln>
                   <a:noFill/>
                 </a:ln>
@@ -18078,6 +17491,23 @@
               </a:rPr>
               <a:t>Víctor M. GUADAÑO MARTÍN</a:t>
             </a:r>
+            <a:endParaRPr kumimoji="0" lang="en-GB" sz="1600" b="0" i="0" u="none" strike="noStrike" kern="1200" cap="none" spc="0" normalizeH="0" baseline="0" noProof="0" dirty="0">
+              <a:ln>
+                <a:noFill/>
+              </a:ln>
+              <a:solidFill>
+                <a:srgbClr val="000000">
+                  <a:lumMod val="85000"/>
+                  <a:lumOff val="15000"/>
+                </a:srgbClr>
+              </a:solidFill>
+              <a:effectLst/>
+              <a:uLnTx/>
+              <a:uFillTx/>
+              <a:latin typeface="Gill Sans MT" panose="020B0502020104020203"/>
+              <a:ea typeface="+mn-ea"/>
+              <a:cs typeface="+mn-cs"/>
+            </a:endParaRPr>
           </a:p>
         </p:txBody>
       </p:sp>
@@ -18103,11 +17533,11 @@
           <a:lstStyle/>
           <a:p>
             <a:fld id="{8A7A6979-0714-4377-B894-6BE4C2D6E202}" type="slidenum">
-              <a:rPr lang="en-US" smtClean="0"/>
+              <a:rPr lang="en-GB" smtClean="0"/>
               <a:pPr/>
               <a:t>6</a:t>
             </a:fld>
-            <a:endParaRPr lang="en-US" dirty="0"/>
+            <a:endParaRPr lang="en-GB" dirty="0"/>
           </a:p>
         </p:txBody>
       </p:sp>
@@ -18410,7 +17840,7 @@
               <a:defRPr/>
             </a:pPr>
             <a:r>
-              <a:rPr lang="es-ES" sz="1600" dirty="0">
+              <a:rPr lang="en-GB" sz="1600">
                 <a:solidFill>
                   <a:srgbClr val="000000">
                     <a:lumMod val="85000"/>
@@ -18421,7 +17851,7 @@
               </a:rPr>
               <a:t>HALE AEROECODESIGN</a:t>
             </a:r>
-            <a:endParaRPr kumimoji="0" lang="es-ES" sz="1600" b="0" i="0" u="none" strike="noStrike" kern="1200" cap="none" spc="0" normalizeH="0" baseline="0" noProof="0" dirty="0">
+            <a:endParaRPr kumimoji="0" lang="en-GB" sz="1600" b="0" i="0" u="none" strike="noStrike" kern="1200" cap="none" spc="0" normalizeH="0" baseline="0" noProof="0" dirty="0">
               <a:ln>
                 <a:noFill/>
               </a:ln>
@@ -18686,26 +18116,11 @@
               </a:buClr>
             </a:pPr>
             <a:r>
-              <a:rPr lang="es-ES" dirty="0" err="1">
+              <a:rPr lang="en-GB">
                 <a:latin typeface="Bahnschrift" panose="020B0502040204020203" pitchFamily="34" charset="0"/>
               </a:rPr>
-              <a:t>Task</a:t>
-            </a:r>
-            <a:r>
-              <a:rPr lang="es-ES" dirty="0">
-                <a:latin typeface="Bahnschrift" panose="020B0502040204020203" pitchFamily="34" charset="0"/>
-              </a:rPr>
-              <a:t> 1: </a:t>
-            </a:r>
-            <a:r>
-              <a:rPr lang="en-US" dirty="0">
-                <a:latin typeface="Bahnschrift" panose="020B0502040204020203" pitchFamily="34" charset="0"/>
-              </a:rPr>
-              <a:t>Add a constraint on the wing surface</a:t>
-            </a:r>
-            <a:endParaRPr lang="es-ES" dirty="0">
-              <a:latin typeface="Bahnschrift" panose="020B0502040204020203" pitchFamily="34" charset="0"/>
-            </a:endParaRPr>
+              <a:t>Task 1: Add a constraint on the wing surface</a:t>
+            </a:r>
           </a:p>
           <a:p>
             <a:pPr>
@@ -18719,52 +18134,16 @@
               </a:buClr>
             </a:pPr>
             <a:r>
-              <a:rPr lang="es-ES" dirty="0" err="1">
+              <a:rPr lang="en-GB">
                 <a:latin typeface="Bahnschrift" panose="020B0502040204020203" pitchFamily="34" charset="0"/>
               </a:rPr>
-              <a:t>Task</a:t>
-            </a:r>
-            <a:r>
-              <a:rPr lang="es-ES" dirty="0">
+              <a:t>Task 2: Fix </a:t>
+            </a:r>
+            <a:r>
+              <a:rPr lang="en-GB" dirty="0">
                 <a:latin typeface="Bahnschrift" panose="020B0502040204020203" pitchFamily="34" charset="0"/>
               </a:rPr>
-              <a:t> 2: </a:t>
-            </a:r>
-            <a:r>
-              <a:rPr lang="es-ES" dirty="0" err="1">
-                <a:latin typeface="Bahnschrift" panose="020B0502040204020203" pitchFamily="34" charset="0"/>
-              </a:rPr>
-              <a:t>Fix</a:t>
-            </a:r>
-            <a:r>
-              <a:rPr lang="es-ES" dirty="0">
-                <a:latin typeface="Bahnschrift" panose="020B0502040204020203" pitchFamily="34" charset="0"/>
-              </a:rPr>
-              <a:t> </a:t>
-            </a:r>
-            <a:r>
-              <a:rPr lang="es-ES" dirty="0" err="1">
-                <a:latin typeface="Bahnschrift" panose="020B0502040204020203" pitchFamily="34" charset="0"/>
-              </a:rPr>
-              <a:t>some</a:t>
-            </a:r>
-            <a:r>
-              <a:rPr lang="es-ES" dirty="0">
-                <a:latin typeface="Bahnschrift" panose="020B0502040204020203" pitchFamily="34" charset="0"/>
-              </a:rPr>
-              <a:t> </a:t>
-            </a:r>
-            <a:r>
-              <a:rPr lang="es-ES" dirty="0" err="1">
-                <a:latin typeface="Bahnschrift" panose="020B0502040204020203" pitchFamily="34" charset="0"/>
-              </a:rPr>
-              <a:t>design</a:t>
-            </a:r>
-            <a:r>
-              <a:rPr lang="es-ES" dirty="0">
-                <a:latin typeface="Bahnschrift" panose="020B0502040204020203" pitchFamily="34" charset="0"/>
-              </a:rPr>
-              <a:t> variables </a:t>
+              <a:t>some design variables </a:t>
             </a:r>
           </a:p>
           <a:p>
@@ -18779,38 +18158,11 @@
               </a:buClr>
             </a:pPr>
             <a:r>
-              <a:rPr lang="es-ES" dirty="0" err="1">
+              <a:rPr lang="en-GB">
                 <a:latin typeface="Bahnschrift" panose="020B0502040204020203" pitchFamily="34" charset="0"/>
               </a:rPr>
-              <a:t>Task</a:t>
-            </a:r>
-            <a:r>
-              <a:rPr lang="es-ES" dirty="0">
-                <a:latin typeface="Bahnschrift" panose="020B0502040204020203" pitchFamily="34" charset="0"/>
-              </a:rPr>
-              <a:t> 3: </a:t>
-            </a:r>
-            <a:r>
-              <a:rPr lang="en-US" dirty="0">
-                <a:latin typeface="Bahnschrift" panose="020B0502040204020203" pitchFamily="34" charset="0"/>
-              </a:rPr>
-              <a:t>Turn material function into </a:t>
-            </a:r>
-            <a:r>
-              <a:rPr lang="en-US" dirty="0" err="1">
-                <a:latin typeface="Bahnschrift" panose="020B0502040204020203" pitchFamily="34" charset="0"/>
-              </a:rPr>
-              <a:t>OpenMDAO</a:t>
-            </a:r>
-            <a:r>
-              <a:rPr lang="en-US" dirty="0">
-                <a:latin typeface="Bahnschrift" panose="020B0502040204020203" pitchFamily="34" charset="0"/>
-              </a:rPr>
-              <a:t> component</a:t>
-            </a:r>
-            <a:endParaRPr lang="es-ES" dirty="0">
-              <a:latin typeface="Bahnschrift" panose="020B0502040204020203" pitchFamily="34" charset="0"/>
-            </a:endParaRPr>
+              <a:t>Task 3: Turn material function into OpenMDAO component</a:t>
+            </a:r>
           </a:p>
           <a:p>
             <a:pPr>
@@ -18824,26 +18176,11 @@
               </a:buClr>
             </a:pPr>
             <a:r>
-              <a:rPr lang="es-ES" dirty="0" err="1">
+              <a:rPr lang="en-GB">
                 <a:latin typeface="Bahnschrift" panose="020B0502040204020203" pitchFamily="34" charset="0"/>
               </a:rPr>
-              <a:t>Task</a:t>
-            </a:r>
-            <a:r>
-              <a:rPr lang="es-ES" dirty="0">
-                <a:latin typeface="Bahnschrift" panose="020B0502040204020203" pitchFamily="34" charset="0"/>
-              </a:rPr>
-              <a:t> 4: </a:t>
-            </a:r>
-            <a:r>
-              <a:rPr lang="en-US" dirty="0">
-                <a:latin typeface="Bahnschrift" panose="020B0502040204020203" pitchFamily="34" charset="0"/>
-              </a:rPr>
-              <a:t>Set different materials for different parts of the wing</a:t>
-            </a:r>
-            <a:endParaRPr lang="es-ES" dirty="0">
-              <a:latin typeface="Bahnschrift" panose="020B0502040204020203" pitchFamily="34" charset="0"/>
-            </a:endParaRPr>
+              <a:t>Task 4: Set different materials for different parts of the wing</a:t>
+            </a:r>
           </a:p>
           <a:p>
             <a:pPr>
@@ -18857,26 +18194,11 @@
               </a:buClr>
             </a:pPr>
             <a:r>
-              <a:rPr lang="es-ES" dirty="0" err="1">
+              <a:rPr lang="en-GB">
                 <a:latin typeface="Bahnschrift" panose="020B0502040204020203" pitchFamily="34" charset="0"/>
               </a:rPr>
-              <a:t>Task</a:t>
-            </a:r>
-            <a:r>
-              <a:rPr lang="es-ES" dirty="0">
-                <a:latin typeface="Bahnschrift" panose="020B0502040204020203" pitchFamily="34" charset="0"/>
-              </a:rPr>
-              <a:t> 5: </a:t>
-            </a:r>
-            <a:r>
-              <a:rPr lang="en-US" dirty="0">
-                <a:latin typeface="Bahnschrift" panose="020B0502040204020203" pitchFamily="34" charset="0"/>
-              </a:rPr>
-              <a:t>Introduce a more complex buckling model</a:t>
-            </a:r>
-            <a:endParaRPr lang="es-ES" dirty="0">
-              <a:latin typeface="Bahnschrift" panose="020B0502040204020203" pitchFamily="34" charset="0"/>
-            </a:endParaRPr>
+              <a:t>Task 5: Introduce a more complex buckling model</a:t>
+            </a:r>
           </a:p>
           <a:p>
             <a:pPr>
@@ -18890,62 +18212,17 @@
               </a:buClr>
             </a:pPr>
             <a:r>
-              <a:rPr lang="es-ES" dirty="0" err="1">
+              <a:rPr lang="en-GB">
                 <a:latin typeface="Bahnschrift" panose="020B0502040204020203" pitchFamily="34" charset="0"/>
               </a:rPr>
-              <a:t>Task</a:t>
-            </a:r>
-            <a:r>
-              <a:rPr lang="es-ES" dirty="0">
+              <a:t>Task 6: Add </a:t>
+            </a:r>
+            <a:r>
+              <a:rPr lang="en-GB" dirty="0">
                 <a:latin typeface="Bahnschrift" panose="020B0502040204020203" pitchFamily="34" charset="0"/>
               </a:rPr>
-              <a:t> 6: </a:t>
-            </a:r>
-            <a:r>
-              <a:rPr lang="es-ES" dirty="0" err="1">
-                <a:latin typeface="Bahnschrift" panose="020B0502040204020203" pitchFamily="34" charset="0"/>
-              </a:rPr>
-              <a:t>Add</a:t>
-            </a:r>
-            <a:r>
-              <a:rPr lang="es-ES" dirty="0">
-                <a:latin typeface="Bahnschrift" panose="020B0502040204020203" pitchFamily="34" charset="0"/>
-              </a:rPr>
-              <a:t> </a:t>
-            </a:r>
-            <a:r>
-              <a:rPr lang="es-ES" dirty="0" err="1">
-                <a:latin typeface="Bahnschrift" panose="020B0502040204020203" pitchFamily="34" charset="0"/>
-              </a:rPr>
-              <a:t>engines</a:t>
-            </a:r>
-            <a:r>
-              <a:rPr lang="es-ES" dirty="0">
-                <a:latin typeface="Bahnschrift" panose="020B0502040204020203" pitchFamily="34" charset="0"/>
-              </a:rPr>
-              <a:t> as </a:t>
-            </a:r>
-            <a:r>
-              <a:rPr lang="es-ES" dirty="0" err="1">
-                <a:latin typeface="Bahnschrift" panose="020B0502040204020203" pitchFamily="34" charset="0"/>
-              </a:rPr>
-              <a:t>point</a:t>
-            </a:r>
-            <a:r>
-              <a:rPr lang="es-ES" dirty="0">
-                <a:latin typeface="Bahnschrift" panose="020B0502040204020203" pitchFamily="34" charset="0"/>
-              </a:rPr>
-              <a:t> </a:t>
-            </a:r>
-            <a:r>
-              <a:rPr lang="es-ES" dirty="0" err="1">
-                <a:latin typeface="Bahnschrift" panose="020B0502040204020203" pitchFamily="34" charset="0"/>
-              </a:rPr>
-              <a:t>masses</a:t>
-            </a:r>
-            <a:endParaRPr lang="es-ES" dirty="0">
-              <a:latin typeface="Bahnschrift" panose="020B0502040204020203" pitchFamily="34" charset="0"/>
-            </a:endParaRPr>
+              <a:t>engines as point masses</a:t>
+            </a:r>
           </a:p>
           <a:p>
             <a:pPr>
@@ -18959,62 +18236,17 @@
               </a:buClr>
             </a:pPr>
             <a:r>
-              <a:rPr lang="es-ES" dirty="0" err="1">
+              <a:rPr lang="en-GB">
                 <a:latin typeface="Bahnschrift" panose="020B0502040204020203" pitchFamily="34" charset="0"/>
               </a:rPr>
-              <a:t>Task</a:t>
-            </a:r>
-            <a:r>
-              <a:rPr lang="es-ES" dirty="0">
+              <a:t>Task 7: Model </a:t>
+            </a:r>
+            <a:r>
+              <a:rPr lang="en-GB" dirty="0">
                 <a:latin typeface="Bahnschrift" panose="020B0502040204020203" pitchFamily="34" charset="0"/>
               </a:rPr>
-              <a:t> 7: </a:t>
-            </a:r>
-            <a:r>
-              <a:rPr lang="es-ES" dirty="0" err="1">
-                <a:latin typeface="Bahnschrift" panose="020B0502040204020203" pitchFamily="34" charset="0"/>
-              </a:rPr>
-              <a:t>Model</a:t>
-            </a:r>
-            <a:r>
-              <a:rPr lang="es-ES" dirty="0">
-                <a:latin typeface="Bahnschrift" panose="020B0502040204020203" pitchFamily="34" charset="0"/>
-              </a:rPr>
-              <a:t> a </a:t>
-            </a:r>
-            <a:r>
-              <a:rPr lang="es-ES" dirty="0" err="1">
-                <a:latin typeface="Bahnschrift" panose="020B0502040204020203" pitchFamily="34" charset="0"/>
-              </a:rPr>
-              <a:t>two</a:t>
-            </a:r>
-            <a:r>
-              <a:rPr lang="es-ES" dirty="0">
-                <a:latin typeface="Bahnschrift" panose="020B0502040204020203" pitchFamily="34" charset="0"/>
-              </a:rPr>
-              <a:t> dimensional </a:t>
-            </a:r>
-            <a:r>
-              <a:rPr lang="es-ES" dirty="0" err="1">
-                <a:latin typeface="Bahnschrift" panose="020B0502040204020203" pitchFamily="34" charset="0"/>
-              </a:rPr>
-              <a:t>discrete</a:t>
-            </a:r>
-            <a:r>
-              <a:rPr lang="es-ES" dirty="0">
-                <a:latin typeface="Bahnschrift" panose="020B0502040204020203" pitchFamily="34" charset="0"/>
-              </a:rPr>
-              <a:t> </a:t>
-            </a:r>
-            <a:r>
-              <a:rPr lang="es-ES" dirty="0" err="1">
-                <a:latin typeface="Bahnschrift" panose="020B0502040204020203" pitchFamily="34" charset="0"/>
-              </a:rPr>
-              <a:t>gust</a:t>
-            </a:r>
-            <a:endParaRPr lang="en-GB" dirty="0">
-              <a:latin typeface="Bahnschrift" panose="020B0502040204020203" pitchFamily="34" charset="0"/>
-            </a:endParaRPr>
+              <a:t>a two dimensional discrete gust</a:t>
+            </a:r>
           </a:p>
         </p:txBody>
       </p:sp>
@@ -19082,9 +18314,10 @@
           <a:lstStyle/>
           <a:p>
             <a:r>
-              <a:rPr lang="en-US" sz="2000" dirty="0"/>
+              <a:rPr lang="en-GB" sz="2000"/>
               <a:t>Task 1: Add a constraint on the wing surface</a:t>
             </a:r>
+            <a:endParaRPr lang="en-GB" sz="2000" dirty="0"/>
           </a:p>
         </p:txBody>
       </p:sp>
@@ -19127,76 +18360,16 @@
               </a:buClr>
             </a:pPr>
             <a:r>
-              <a:rPr lang="en-US" dirty="0">
+              <a:rPr lang="en-GB">
                 <a:latin typeface="Bahnschrift" panose="020B0502040204020203" pitchFamily="34" charset="0"/>
               </a:rPr>
-              <a:t>Reduce snowball effect</a:t>
-            </a:r>
-            <a:r>
-              <a:rPr lang="es-ES" dirty="0">
+              <a:t>Reduce snowball effect   ➤   Prevent </a:t>
+            </a:r>
+            <a:r>
+              <a:rPr lang="en-GB" dirty="0">
                 <a:latin typeface="Bahnschrift" panose="020B0502040204020203" pitchFamily="34" charset="0"/>
               </a:rPr>
-              <a:t>   ➤   </a:t>
-            </a:r>
-            <a:r>
-              <a:rPr lang="es-ES" dirty="0" err="1">
-                <a:latin typeface="Bahnschrift" panose="020B0502040204020203" pitchFamily="34" charset="0"/>
-              </a:rPr>
-              <a:t>Prevent</a:t>
-            </a:r>
-            <a:r>
-              <a:rPr lang="es-ES" dirty="0">
-                <a:latin typeface="Bahnschrift" panose="020B0502040204020203" pitchFamily="34" charset="0"/>
-              </a:rPr>
-              <a:t> </a:t>
-            </a:r>
-            <a:r>
-              <a:rPr lang="es-ES" dirty="0" err="1">
-                <a:latin typeface="Bahnschrift" panose="020B0502040204020203" pitchFamily="34" charset="0"/>
-              </a:rPr>
-              <a:t>the</a:t>
-            </a:r>
-            <a:r>
-              <a:rPr lang="es-ES" dirty="0">
-                <a:latin typeface="Bahnschrift" panose="020B0502040204020203" pitchFamily="34" charset="0"/>
-              </a:rPr>
-              <a:t> </a:t>
-            </a:r>
-            <a:r>
-              <a:rPr lang="es-ES" dirty="0" err="1">
-                <a:latin typeface="Bahnschrift" panose="020B0502040204020203" pitchFamily="34" charset="0"/>
-              </a:rPr>
-              <a:t>optimization</a:t>
-            </a:r>
-            <a:r>
-              <a:rPr lang="es-ES" dirty="0">
-                <a:latin typeface="Bahnschrift" panose="020B0502040204020203" pitchFamily="34" charset="0"/>
-              </a:rPr>
-              <a:t> </a:t>
-            </a:r>
-            <a:r>
-              <a:rPr lang="es-ES" dirty="0" err="1">
-                <a:latin typeface="Bahnschrift" panose="020B0502040204020203" pitchFamily="34" charset="0"/>
-              </a:rPr>
-              <a:t>from</a:t>
-            </a:r>
-            <a:r>
-              <a:rPr lang="es-ES" dirty="0">
-                <a:latin typeface="Bahnschrift" panose="020B0502040204020203" pitchFamily="34" charset="0"/>
-              </a:rPr>
-              <a:t> </a:t>
-            </a:r>
-            <a:r>
-              <a:rPr lang="es-ES" dirty="0" err="1">
-                <a:latin typeface="Bahnschrift" panose="020B0502040204020203" pitchFamily="34" charset="0"/>
-              </a:rPr>
-              <a:t>diverging</a:t>
-            </a:r>
-            <a:r>
-              <a:rPr lang="es-ES" dirty="0">
-                <a:latin typeface="Bahnschrift" panose="020B0502040204020203" pitchFamily="34" charset="0"/>
-              </a:rPr>
-              <a:t> </a:t>
+              <a:t>the optimization from diverging </a:t>
             </a:r>
           </a:p>
           <a:p>
@@ -19211,50 +18384,11 @@
               </a:buClr>
             </a:pPr>
             <a:r>
-              <a:rPr lang="es-ES" dirty="0" err="1">
+              <a:rPr lang="en-GB" dirty="0">
                 <a:latin typeface="Bahnschrift" panose="020B0502040204020203" pitchFamily="34" charset="0"/>
               </a:rPr>
-              <a:t>Maximum</a:t>
-            </a:r>
-            <a:r>
-              <a:rPr lang="es-ES" dirty="0">
-                <a:latin typeface="Bahnschrift" panose="020B0502040204020203" pitchFamily="34" charset="0"/>
-              </a:rPr>
-              <a:t> </a:t>
-            </a:r>
-            <a:r>
-              <a:rPr lang="es-ES" dirty="0" err="1">
-                <a:latin typeface="Bahnschrift" panose="020B0502040204020203" pitchFamily="34" charset="0"/>
-              </a:rPr>
-              <a:t>wing</a:t>
-            </a:r>
-            <a:r>
-              <a:rPr lang="es-ES" dirty="0">
-                <a:latin typeface="Bahnschrift" panose="020B0502040204020203" pitchFamily="34" charset="0"/>
-              </a:rPr>
-              <a:t> </a:t>
-            </a:r>
-            <a:r>
-              <a:rPr lang="es-ES" dirty="0" err="1">
-                <a:latin typeface="Bahnschrift" panose="020B0502040204020203" pitchFamily="34" charset="0"/>
-              </a:rPr>
-              <a:t>surface</a:t>
-            </a:r>
-            <a:r>
-              <a:rPr lang="es-ES" dirty="0">
-                <a:latin typeface="Bahnschrift" panose="020B0502040204020203" pitchFamily="34" charset="0"/>
-              </a:rPr>
-              <a:t> </a:t>
-            </a:r>
-            <a:r>
-              <a:rPr lang="es-ES" dirty="0" err="1">
-                <a:latin typeface="Bahnschrift" panose="020B0502040204020203" pitchFamily="34" charset="0"/>
-              </a:rPr>
-              <a:t>threshold</a:t>
-            </a:r>
-            <a:endParaRPr lang="es-ES" dirty="0">
-              <a:latin typeface="Bahnschrift" panose="020B0502040204020203" pitchFamily="34" charset="0"/>
-            </a:endParaRPr>
+              <a:t>Maximum wing surface threshold</a:t>
+            </a:r>
           </a:p>
           <a:p>
             <a:pPr marL="0" indent="0">
@@ -19268,7 +18402,7 @@
               </a:buClr>
               <a:buNone/>
             </a:pPr>
-            <a:endParaRPr lang="en-US" dirty="0">
+            <a:endParaRPr lang="en-GB" dirty="0">
               <a:latin typeface="Bahnschrift" panose="020B0502040204020203" pitchFamily="34" charset="0"/>
             </a:endParaRPr>
           </a:p>
@@ -19529,7 +18663,7 @@
               <a:defRPr/>
             </a:pPr>
             <a:r>
-              <a:rPr kumimoji="0" lang="es-ES" sz="1600" b="0" i="0" u="none" strike="noStrike" kern="1200" cap="none" spc="0" normalizeH="0" baseline="0" noProof="0" dirty="0">
+              <a:rPr kumimoji="0" lang="en-GB" sz="1600" b="0" i="0" u="none" strike="noStrike" kern="1200" cap="none" spc="0" normalizeH="0" baseline="0" noProof="0">
                 <a:ln>
                   <a:noFill/>
                 </a:ln>
@@ -19548,6 +18682,23 @@
               </a:rPr>
               <a:t>Víctor M. GUADAÑO MARTÍN</a:t>
             </a:r>
+            <a:endParaRPr kumimoji="0" lang="en-GB" sz="1600" b="0" i="0" u="none" strike="noStrike" kern="1200" cap="none" spc="0" normalizeH="0" baseline="0" noProof="0" dirty="0">
+              <a:ln>
+                <a:noFill/>
+              </a:ln>
+              <a:solidFill>
+                <a:srgbClr val="000000">
+                  <a:lumMod val="85000"/>
+                  <a:lumOff val="15000"/>
+                </a:srgbClr>
+              </a:solidFill>
+              <a:effectLst/>
+              <a:uLnTx/>
+              <a:uFillTx/>
+              <a:latin typeface="Gill Sans MT" panose="020B0502020104020203"/>
+              <a:ea typeface="+mn-ea"/>
+              <a:cs typeface="+mn-cs"/>
+            </a:endParaRPr>
           </a:p>
         </p:txBody>
       </p:sp>
@@ -19573,11 +18724,11 @@
           <a:lstStyle/>
           <a:p>
             <a:fld id="{8A7A6979-0714-4377-B894-6BE4C2D6E202}" type="slidenum">
-              <a:rPr lang="en-US" smtClean="0"/>
+              <a:rPr lang="en-GB" smtClean="0"/>
               <a:pPr/>
               <a:t>7</a:t>
             </a:fld>
-            <a:endParaRPr lang="en-US" dirty="0"/>
+            <a:endParaRPr lang="en-GB" dirty="0"/>
           </a:p>
         </p:txBody>
       </p:sp>
@@ -19880,7 +19031,7 @@
               <a:defRPr/>
             </a:pPr>
             <a:r>
-              <a:rPr lang="es-ES" sz="1600" dirty="0">
+              <a:rPr lang="en-GB" sz="1600">
                 <a:solidFill>
                   <a:srgbClr val="000000">
                     <a:lumMod val="85000"/>
@@ -19891,7 +19042,7 @@
               </a:rPr>
               <a:t>HALE AEROECODESIGN</a:t>
             </a:r>
-            <a:endParaRPr kumimoji="0" lang="es-ES" sz="1600" b="0" i="0" u="none" strike="noStrike" kern="1200" cap="none" spc="0" normalizeH="0" baseline="0" noProof="0" dirty="0">
+            <a:endParaRPr kumimoji="0" lang="en-GB" sz="1600" b="0" i="0" u="none" strike="noStrike" kern="1200" cap="none" spc="0" normalizeH="0" baseline="0" noProof="0" dirty="0">
               <a:ln>
                 <a:noFill/>
               </a:ln>
@@ -19970,9 +19121,10 @@
           </a:lstStyle>
           <a:p>
             <a:r>
-              <a:rPr lang="en-US" sz="2000" dirty="0"/>
+              <a:rPr lang="en-GB" sz="2000"/>
               <a:t>Task 2: Fix some design variables </a:t>
             </a:r>
+            <a:endParaRPr lang="en-GB" sz="2000" dirty="0"/>
           </a:p>
         </p:txBody>
       </p:sp>
@@ -20221,14 +19373,11 @@
               </a:buClr>
             </a:pPr>
             <a:r>
-              <a:rPr lang="en-US" dirty="0">
+              <a:rPr lang="en-GB">
                 <a:latin typeface="Bahnschrift" panose="020B0502040204020203" pitchFamily="34" charset="0"/>
               </a:rPr>
               <a:t>Make the problem more computationally efficient</a:t>
             </a:r>
-            <a:endParaRPr lang="es-ES" dirty="0">
-              <a:latin typeface="Bahnschrift" panose="020B0502040204020203" pitchFamily="34" charset="0"/>
-            </a:endParaRPr>
           </a:p>
           <a:p>
             <a:pPr lvl="1">
@@ -20242,80 +19391,35 @@
               </a:buClr>
             </a:pPr>
             <a:r>
-              <a:rPr lang="es-ES" dirty="0" err="1">
+              <a:rPr lang="en-GB">
                 <a:latin typeface="Bahnschrift" panose="020B0502040204020203" pitchFamily="34" charset="0"/>
               </a:rPr>
-              <a:t>Fix</a:t>
-            </a:r>
-            <a:r>
-              <a:rPr lang="es-ES" dirty="0">
+              <a:t>Fix </a:t>
+            </a:r>
+            <a:r>
+              <a:rPr lang="en-GB" dirty="0">
                 <a:latin typeface="Bahnschrift" panose="020B0502040204020203" pitchFamily="34" charset="0"/>
               </a:rPr>
-              <a:t> </a:t>
-            </a:r>
-            <a:r>
-              <a:rPr lang="es-ES" dirty="0" err="1">
+              <a:t>some optimization </a:t>
+            </a:r>
+            <a:r>
+              <a:rPr lang="en-GB">
                 <a:latin typeface="Bahnschrift" panose="020B0502040204020203" pitchFamily="34" charset="0"/>
               </a:rPr>
-              <a:t>some</a:t>
-            </a:r>
-            <a:r>
-              <a:rPr lang="es-ES" dirty="0">
+              <a:t>variables   ➤   tapper </a:t>
+            </a:r>
+            <a:r>
+              <a:rPr lang="en-GB" dirty="0">
                 <a:latin typeface="Bahnschrift" panose="020B0502040204020203" pitchFamily="34" charset="0"/>
               </a:rPr>
-              <a:t> </a:t>
-            </a:r>
-            <a:r>
-              <a:rPr lang="es-ES" dirty="0" err="1">
+              <a:t>ratio, </a:t>
+            </a:r>
+            <a:r>
+              <a:rPr lang="en-GB">
                 <a:latin typeface="Bahnschrift" panose="020B0502040204020203" pitchFamily="34" charset="0"/>
               </a:rPr>
-              <a:t>optimization</a:t>
-            </a:r>
-            <a:r>
-              <a:rPr lang="es-ES" dirty="0">
-                <a:latin typeface="Bahnschrift" panose="020B0502040204020203" pitchFamily="34" charset="0"/>
-              </a:rPr>
-              <a:t> variables   ➤   </a:t>
-            </a:r>
-            <a:r>
-              <a:rPr lang="es-ES" dirty="0" err="1">
-                <a:latin typeface="Bahnschrift" panose="020B0502040204020203" pitchFamily="34" charset="0"/>
-              </a:rPr>
-              <a:t>tapper</a:t>
-            </a:r>
-            <a:r>
-              <a:rPr lang="es-ES" dirty="0">
-                <a:latin typeface="Bahnschrift" panose="020B0502040204020203" pitchFamily="34" charset="0"/>
-              </a:rPr>
-              <a:t> ratio, </a:t>
-            </a:r>
-            <a:r>
-              <a:rPr lang="es-ES" dirty="0" err="1">
-                <a:latin typeface="Bahnschrift" panose="020B0502040204020203" pitchFamily="34" charset="0"/>
-              </a:rPr>
-              <a:t>root</a:t>
-            </a:r>
-            <a:r>
-              <a:rPr lang="es-ES" dirty="0">
-                <a:latin typeface="Bahnschrift" panose="020B0502040204020203" pitchFamily="34" charset="0"/>
-              </a:rPr>
-              <a:t> </a:t>
-            </a:r>
-            <a:r>
-              <a:rPr lang="es-ES" dirty="0" err="1">
-                <a:latin typeface="Bahnschrift" panose="020B0502040204020203" pitchFamily="34" charset="0"/>
-              </a:rPr>
-              <a:t>chord</a:t>
-            </a:r>
-            <a:r>
-              <a:rPr lang="es-ES" dirty="0">
-                <a:latin typeface="Bahnschrift" panose="020B0502040204020203" pitchFamily="34" charset="0"/>
-              </a:rPr>
-              <a:t>…</a:t>
-            </a:r>
-            <a:endParaRPr lang="en-US" dirty="0">
-              <a:latin typeface="Bahnschrift" panose="020B0502040204020203" pitchFamily="34" charset="0"/>
-            </a:endParaRPr>
+              <a:t>root chord…</a:t>
+            </a:r>
           </a:p>
           <a:p>
             <a:pPr marL="0" indent="0">
@@ -20330,7 +19434,7 @@
               <a:buFont typeface="Arial" panose="020B0604020202020204" pitchFamily="34" charset="0"/>
               <a:buNone/>
             </a:pPr>
-            <a:endParaRPr lang="en-US" dirty="0">
+            <a:endParaRPr lang="en-GB" dirty="0">
               <a:latin typeface="Bahnschrift" panose="020B0502040204020203" pitchFamily="34" charset="0"/>
             </a:endParaRPr>
           </a:p>
@@ -20400,17 +19504,10 @@
           <a:lstStyle/>
           <a:p>
             <a:r>
-              <a:rPr lang="en-US" sz="2000" dirty="0"/>
-              <a:t>Task 3: Turn material function into </a:t>
-            </a:r>
-            <a:r>
-              <a:rPr lang="en-US" sz="2000" dirty="0" err="1"/>
-              <a:t>OpenMDAO</a:t>
-            </a:r>
-            <a:r>
-              <a:rPr lang="en-US" sz="2000" dirty="0"/>
-              <a:t> component</a:t>
-            </a:r>
+              <a:rPr lang="en-GB" sz="2000"/>
+              <a:t>Task 3: Turn material function into OpenMDAO component</a:t>
+            </a:r>
+            <a:endParaRPr lang="en-GB" sz="2000" dirty="0"/>
           </a:p>
         </p:txBody>
       </p:sp>
@@ -20453,50 +19550,17 @@
               </a:buClr>
             </a:pPr>
             <a:r>
-              <a:rPr lang="en-US" dirty="0">
+              <a:rPr lang="en-GB">
                 <a:latin typeface="Bahnschrift" panose="020B0502040204020203" pitchFamily="34" charset="0"/>
               </a:rPr>
-              <a:t>Currently   </a:t>
-            </a:r>
-            <a:r>
-              <a:rPr lang="es-ES" dirty="0">
+              <a:t>Currently   ➤   </a:t>
+            </a:r>
+            <a:r>
+              <a:rPr lang="en-GB" dirty="0">
                 <a:latin typeface="Bahnschrift" panose="020B0502040204020203" pitchFamily="34" charset="0"/>
               </a:rPr>
-              <a:t>➤   </a:t>
-            </a:r>
-            <a:r>
-              <a:rPr lang="es-ES" dirty="0" err="1">
-                <a:latin typeface="Bahnschrift" panose="020B0502040204020203" pitchFamily="34" charset="0"/>
-              </a:rPr>
-              <a:t>Function</a:t>
-            </a:r>
-            <a:r>
-              <a:rPr lang="es-ES" dirty="0">
-                <a:latin typeface="Bahnschrift" panose="020B0502040204020203" pitchFamily="34" charset="0"/>
-              </a:rPr>
-              <a:t> </a:t>
-            </a:r>
-            <a:r>
-              <a:rPr lang="es-ES" dirty="0" err="1">
-                <a:latin typeface="Bahnschrift" panose="020B0502040204020203" pitchFamily="34" charset="0"/>
-              </a:rPr>
-              <a:t>to</a:t>
-            </a:r>
-            <a:r>
-              <a:rPr lang="es-ES" dirty="0">
-                <a:latin typeface="Bahnschrift" panose="020B0502040204020203" pitchFamily="34" charset="0"/>
-              </a:rPr>
-              <a:t> use material </a:t>
-            </a:r>
-            <a:r>
-              <a:rPr lang="es-ES" dirty="0" err="1">
-                <a:latin typeface="Bahnschrift" panose="020B0502040204020203" pitchFamily="34" charset="0"/>
-              </a:rPr>
-              <a:t>properties</a:t>
-            </a:r>
-            <a:endParaRPr lang="en-US" dirty="0">
-              <a:latin typeface="Bahnschrift" panose="020B0502040204020203" pitchFamily="34" charset="0"/>
-            </a:endParaRPr>
+              <a:t>Function to use material properties</a:t>
+            </a:r>
           </a:p>
           <a:p>
             <a:pPr>
@@ -20510,46 +19574,22 @@
               </a:buClr>
             </a:pPr>
             <a:r>
-              <a:rPr lang="en-GB" dirty="0" err="1">
+              <a:rPr lang="en-GB" err="1">
                 <a:latin typeface="Bahnschrift" panose="020B0502040204020203" pitchFamily="34" charset="0"/>
               </a:rPr>
               <a:t>OpenMDAO</a:t>
             </a:r>
             <a:r>
+              <a:rPr lang="en-GB">
+                <a:latin typeface="Bahnschrift" panose="020B0502040204020203" pitchFamily="34" charset="0"/>
+              </a:rPr>
+              <a:t>   ➤   Modular </a:t>
+            </a:r>
+            <a:r>
               <a:rPr lang="en-GB" dirty="0">
                 <a:latin typeface="Bahnschrift" panose="020B0502040204020203" pitchFamily="34" charset="0"/>
               </a:rPr>
-              <a:t>   </a:t>
-            </a:r>
-            <a:r>
-              <a:rPr lang="es-ES" dirty="0">
-                <a:latin typeface="Bahnschrift" panose="020B0502040204020203" pitchFamily="34" charset="0"/>
-              </a:rPr>
-              <a:t>➤   Modular </a:t>
-            </a:r>
-            <a:r>
-              <a:rPr lang="es-ES" dirty="0" err="1">
-                <a:latin typeface="Bahnschrift" panose="020B0502040204020203" pitchFamily="34" charset="0"/>
-              </a:rPr>
-              <a:t>implementation</a:t>
-            </a:r>
-            <a:r>
-              <a:rPr lang="es-ES" dirty="0">
-                <a:latin typeface="Bahnschrift" panose="020B0502040204020203" pitchFamily="34" charset="0"/>
-              </a:rPr>
-              <a:t> in </a:t>
-            </a:r>
-            <a:r>
-              <a:rPr lang="es-ES" dirty="0" err="1">
-                <a:latin typeface="Bahnschrift" panose="020B0502040204020203" pitchFamily="34" charset="0"/>
-              </a:rPr>
-              <a:t>components</a:t>
-            </a:r>
-            <a:r>
-              <a:rPr lang="es-ES" dirty="0">
-                <a:latin typeface="Bahnschrift" panose="020B0502040204020203" pitchFamily="34" charset="0"/>
-              </a:rPr>
-              <a:t>   </a:t>
+              <a:t>implementation in components   </a:t>
             </a:r>
           </a:p>
           <a:p>
@@ -20564,62 +19604,17 @@
               </a:buClr>
             </a:pPr>
             <a:r>
-              <a:rPr lang="es-ES" dirty="0" err="1">
+              <a:rPr lang="en-GB">
                 <a:latin typeface="Bahnschrift" panose="020B0502040204020203" pitchFamily="34" charset="0"/>
               </a:rPr>
-              <a:t>Components</a:t>
-            </a:r>
-            <a:r>
-              <a:rPr lang="es-ES" dirty="0">
+              <a:t>Components   ➤   More </a:t>
+            </a:r>
+            <a:r>
+              <a:rPr lang="en-GB" dirty="0">
                 <a:latin typeface="Bahnschrift" panose="020B0502040204020203" pitchFamily="34" charset="0"/>
               </a:rPr>
-              <a:t>   ➤   More </a:t>
-            </a:r>
-            <a:r>
-              <a:rPr lang="es-ES" dirty="0" err="1">
-                <a:latin typeface="Bahnschrift" panose="020B0502040204020203" pitchFamily="34" charset="0"/>
-              </a:rPr>
-              <a:t>efficient</a:t>
-            </a:r>
-            <a:r>
-              <a:rPr lang="es-ES" dirty="0">
-                <a:latin typeface="Bahnschrift" panose="020B0502040204020203" pitchFamily="34" charset="0"/>
-              </a:rPr>
-              <a:t> </a:t>
-            </a:r>
-            <a:r>
-              <a:rPr lang="es-ES" dirty="0" err="1">
-                <a:latin typeface="Bahnschrift" panose="020B0502040204020203" pitchFamily="34" charset="0"/>
-              </a:rPr>
-              <a:t>for</a:t>
-            </a:r>
-            <a:r>
-              <a:rPr lang="es-ES" dirty="0">
-                <a:latin typeface="Bahnschrift" panose="020B0502040204020203" pitchFamily="34" charset="0"/>
-              </a:rPr>
-              <a:t> </a:t>
-            </a:r>
-            <a:r>
-              <a:rPr lang="es-ES" dirty="0" err="1">
-                <a:latin typeface="Bahnschrift" panose="020B0502040204020203" pitchFamily="34" charset="0"/>
-              </a:rPr>
-              <a:t>gradient-based</a:t>
-            </a:r>
-            <a:r>
-              <a:rPr lang="es-ES" dirty="0">
-                <a:latin typeface="Bahnschrift" panose="020B0502040204020203" pitchFamily="34" charset="0"/>
-              </a:rPr>
-              <a:t> </a:t>
-            </a:r>
-            <a:r>
-              <a:rPr lang="es-ES" dirty="0" err="1">
-                <a:latin typeface="Bahnschrift" panose="020B0502040204020203" pitchFamily="34" charset="0"/>
-              </a:rPr>
-              <a:t>optimization</a:t>
-            </a:r>
-            <a:endParaRPr lang="es-ES" dirty="0">
-              <a:latin typeface="Bahnschrift" panose="020B0502040204020203" pitchFamily="34" charset="0"/>
-            </a:endParaRPr>
+              <a:t>efficient for gradient-based optimization</a:t>
+            </a:r>
           </a:p>
           <a:p>
             <a:pPr>
@@ -20633,62 +19628,11 @@
               </a:buClr>
             </a:pPr>
             <a:r>
-              <a:rPr lang="es-ES" dirty="0" err="1">
+              <a:rPr lang="en-GB" dirty="0">
                 <a:latin typeface="Bahnschrift" panose="020B0502040204020203" pitchFamily="34" charset="0"/>
               </a:rPr>
-              <a:t>Replace</a:t>
-            </a:r>
-            <a:r>
-              <a:rPr lang="es-ES" dirty="0">
-                <a:latin typeface="Bahnschrift" panose="020B0502040204020203" pitchFamily="34" charset="0"/>
-              </a:rPr>
-              <a:t> </a:t>
-            </a:r>
-            <a:r>
-              <a:rPr lang="es-ES" dirty="0" err="1">
-                <a:latin typeface="Bahnschrift" panose="020B0502040204020203" pitchFamily="34" charset="0"/>
-              </a:rPr>
-              <a:t>the</a:t>
-            </a:r>
-            <a:r>
-              <a:rPr lang="es-ES" dirty="0">
-                <a:latin typeface="Bahnschrift" panose="020B0502040204020203" pitchFamily="34" charset="0"/>
-              </a:rPr>
-              <a:t> </a:t>
-            </a:r>
-            <a:r>
-              <a:rPr lang="es-ES" dirty="0" err="1">
-                <a:latin typeface="Bahnschrift" panose="020B0502040204020203" pitchFamily="34" charset="0"/>
-              </a:rPr>
-              <a:t>function</a:t>
-            </a:r>
-            <a:r>
-              <a:rPr lang="es-ES" dirty="0">
-                <a:latin typeface="Bahnschrift" panose="020B0502040204020203" pitchFamily="34" charset="0"/>
-              </a:rPr>
-              <a:t> </a:t>
-            </a:r>
-            <a:r>
-              <a:rPr lang="es-ES" dirty="0" err="1">
-                <a:latin typeface="Bahnschrift" panose="020B0502040204020203" pitchFamily="34" charset="0"/>
-              </a:rPr>
-              <a:t>by</a:t>
-            </a:r>
-            <a:r>
-              <a:rPr lang="es-ES" dirty="0">
-                <a:latin typeface="Bahnschrift" panose="020B0502040204020203" pitchFamily="34" charset="0"/>
-              </a:rPr>
-              <a:t> a </a:t>
-            </a:r>
-            <a:r>
-              <a:rPr lang="es-ES" dirty="0" err="1">
-                <a:latin typeface="Bahnschrift" panose="020B0502040204020203" pitchFamily="34" charset="0"/>
-              </a:rPr>
-              <a:t>component</a:t>
-            </a:r>
-            <a:endParaRPr lang="es-ES" dirty="0">
-              <a:latin typeface="Bahnschrift" panose="020B0502040204020203" pitchFamily="34" charset="0"/>
-            </a:endParaRPr>
+              <a:t>Replace the function by a component</a:t>
+            </a:r>
           </a:p>
           <a:p>
             <a:pPr>
@@ -20702,22 +19646,10 @@
               </a:buClr>
             </a:pPr>
             <a:r>
-              <a:rPr lang="en-US" dirty="0">
+              <a:rPr lang="en-GB">
                 <a:latin typeface="Bahnschrift" panose="020B0502040204020203" pitchFamily="34" charset="0"/>
               </a:rPr>
-              <a:t>Get to know the </a:t>
-            </a:r>
-            <a:r>
-              <a:rPr lang="en-US" dirty="0" err="1">
-                <a:latin typeface="Bahnschrift" panose="020B0502040204020203" pitchFamily="34" charset="0"/>
-              </a:rPr>
-              <a:t>OpenMDAO</a:t>
-            </a:r>
-            <a:r>
-              <a:rPr lang="en-US" dirty="0">
-                <a:latin typeface="Bahnschrift" panose="020B0502040204020203" pitchFamily="34" charset="0"/>
-              </a:rPr>
-              <a:t> methodology </a:t>
+              <a:t>Get to know the OpenMDAO methodology </a:t>
             </a:r>
             <a:endParaRPr lang="en-GB" dirty="0">
               <a:latin typeface="Bahnschrift" panose="020B0502040204020203" pitchFamily="34" charset="0"/>
@@ -20980,7 +19912,7 @@
               <a:defRPr/>
             </a:pPr>
             <a:r>
-              <a:rPr kumimoji="0" lang="es-ES" sz="1600" b="0" i="0" u="none" strike="noStrike" kern="1200" cap="none" spc="0" normalizeH="0" baseline="0" noProof="0" dirty="0">
+              <a:rPr kumimoji="0" lang="en-GB" sz="1600" b="0" i="0" u="none" strike="noStrike" kern="1200" cap="none" spc="0" normalizeH="0" baseline="0" noProof="0">
                 <a:ln>
                   <a:noFill/>
                 </a:ln>
@@ -20999,6 +19931,23 @@
               </a:rPr>
               <a:t>Víctor M. GUADAÑO MARTÍN</a:t>
             </a:r>
+            <a:endParaRPr kumimoji="0" lang="en-GB" sz="1600" b="0" i="0" u="none" strike="noStrike" kern="1200" cap="none" spc="0" normalizeH="0" baseline="0" noProof="0" dirty="0">
+              <a:ln>
+                <a:noFill/>
+              </a:ln>
+              <a:solidFill>
+                <a:srgbClr val="000000">
+                  <a:lumMod val="85000"/>
+                  <a:lumOff val="15000"/>
+                </a:srgbClr>
+              </a:solidFill>
+              <a:effectLst/>
+              <a:uLnTx/>
+              <a:uFillTx/>
+              <a:latin typeface="Gill Sans MT" panose="020B0502020104020203"/>
+              <a:ea typeface="+mn-ea"/>
+              <a:cs typeface="+mn-cs"/>
+            </a:endParaRPr>
           </a:p>
         </p:txBody>
       </p:sp>
@@ -21024,11 +19973,11 @@
           <a:lstStyle/>
           <a:p>
             <a:fld id="{8A7A6979-0714-4377-B894-6BE4C2D6E202}" type="slidenum">
-              <a:rPr lang="en-US" smtClean="0"/>
+              <a:rPr lang="en-GB" smtClean="0"/>
               <a:pPr/>
               <a:t>8</a:t>
             </a:fld>
-            <a:endParaRPr lang="en-US" dirty="0"/>
+            <a:endParaRPr lang="en-GB" dirty="0"/>
           </a:p>
         </p:txBody>
       </p:sp>
@@ -21331,7 +20280,7 @@
               <a:defRPr/>
             </a:pPr>
             <a:r>
-              <a:rPr lang="es-ES" sz="1600" dirty="0">
+              <a:rPr lang="en-GB" sz="1600">
                 <a:solidFill>
                   <a:srgbClr val="000000">
                     <a:lumMod val="85000"/>
@@ -21342,7 +20291,7 @@
               </a:rPr>
               <a:t>HALE AEROECODESIGN</a:t>
             </a:r>
-            <a:endParaRPr kumimoji="0" lang="es-ES" sz="1600" b="0" i="0" u="none" strike="noStrike" kern="1200" cap="none" spc="0" normalizeH="0" baseline="0" noProof="0" dirty="0">
+            <a:endParaRPr kumimoji="0" lang="en-GB" sz="1600" b="0" i="0" u="none" strike="noStrike" kern="1200" cap="none" spc="0" normalizeH="0" baseline="0" noProof="0" dirty="0">
               <a:ln>
                 <a:noFill/>
               </a:ln>
@@ -21426,9 +20375,10 @@
           <a:lstStyle/>
           <a:p>
             <a:r>
-              <a:rPr lang="en-US" sz="2000" dirty="0"/>
+              <a:rPr lang="en-GB" sz="2000"/>
               <a:t>Task 4: Set different materials for different parts of the wing</a:t>
             </a:r>
+            <a:endParaRPr lang="en-GB" sz="2000" dirty="0"/>
           </a:p>
         </p:txBody>
       </p:sp>
@@ -21471,74 +20421,11 @@
               </a:buClr>
             </a:pPr>
             <a:r>
-              <a:rPr lang="en-US" dirty="0">
+              <a:rPr lang="en-GB" dirty="0">
                 <a:latin typeface="Bahnschrift" panose="020B0502040204020203" pitchFamily="34" charset="0"/>
               </a:rPr>
-              <a:t>Currently   </a:t>
-            </a:r>
-            <a:r>
-              <a:rPr lang="es-ES" dirty="0">
-                <a:latin typeface="Bahnschrift" panose="020B0502040204020203" pitchFamily="34" charset="0"/>
-              </a:rPr>
-              <a:t>➤   </a:t>
-            </a:r>
-            <a:r>
-              <a:rPr lang="es-ES" dirty="0" err="1">
-                <a:latin typeface="Bahnschrift" panose="020B0502040204020203" pitchFamily="34" charset="0"/>
-              </a:rPr>
-              <a:t>Sigle</a:t>
-            </a:r>
-            <a:r>
-              <a:rPr lang="es-ES" dirty="0">
-                <a:latin typeface="Bahnschrift" panose="020B0502040204020203" pitchFamily="34" charset="0"/>
-              </a:rPr>
-              <a:t> material </a:t>
-            </a:r>
-            <a:r>
-              <a:rPr lang="es-ES" dirty="0" err="1">
-                <a:latin typeface="Bahnschrift" panose="020B0502040204020203" pitchFamily="34" charset="0"/>
-              </a:rPr>
-              <a:t>for</a:t>
-            </a:r>
-            <a:r>
-              <a:rPr lang="es-ES" dirty="0">
-                <a:latin typeface="Bahnschrift" panose="020B0502040204020203" pitchFamily="34" charset="0"/>
-              </a:rPr>
-              <a:t> </a:t>
-            </a:r>
-            <a:r>
-              <a:rPr lang="es-ES" dirty="0" err="1">
-                <a:latin typeface="Bahnschrift" panose="020B0502040204020203" pitchFamily="34" charset="0"/>
-              </a:rPr>
-              <a:t>the</a:t>
-            </a:r>
-            <a:r>
-              <a:rPr lang="es-ES" dirty="0">
-                <a:latin typeface="Bahnschrift" panose="020B0502040204020203" pitchFamily="34" charset="0"/>
-              </a:rPr>
-              <a:t> </a:t>
-            </a:r>
-            <a:r>
-              <a:rPr lang="es-ES" dirty="0" err="1">
-                <a:latin typeface="Bahnschrift" panose="020B0502040204020203" pitchFamily="34" charset="0"/>
-              </a:rPr>
-              <a:t>hole</a:t>
-            </a:r>
-            <a:r>
-              <a:rPr lang="es-ES" dirty="0">
-                <a:latin typeface="Bahnschrift" panose="020B0502040204020203" pitchFamily="34" charset="0"/>
-              </a:rPr>
-              <a:t> </a:t>
-            </a:r>
-            <a:r>
-              <a:rPr lang="es-ES" dirty="0" err="1">
-                <a:latin typeface="Bahnschrift" panose="020B0502040204020203" pitchFamily="34" charset="0"/>
-              </a:rPr>
-              <a:t>wing</a:t>
-            </a:r>
-            <a:endParaRPr lang="en-US" dirty="0">
-              <a:latin typeface="Bahnschrift" panose="020B0502040204020203" pitchFamily="34" charset="0"/>
-            </a:endParaRPr>
+              <a:t>Currently   ➤   Sigle material for the whole wing</a:t>
+            </a:r>
           </a:p>
           <a:p>
             <a:pPr>
@@ -21600,19 +20487,19 @@
               </a:buClr>
             </a:pPr>
             <a:r>
-              <a:rPr lang="en-US" dirty="0">
+              <a:rPr lang="en-GB" dirty="0">
                 <a:latin typeface="Bahnschrift" panose="020B0502040204020203" pitchFamily="34" charset="0"/>
               </a:rPr>
               <a:t> Better solution in terms of CO</a:t>
             </a:r>
             <a:r>
-              <a:rPr lang="en-US" baseline="-25000" dirty="0">
+              <a:rPr lang="en-GB" baseline="-25000" dirty="0">
                 <a:latin typeface="Bahnschrift" panose="020B0502040204020203" pitchFamily="34" charset="0"/>
               </a:rPr>
               <a:t>2</a:t>
             </a:r>
             <a:r>
-              <a:rPr lang="en-US" dirty="0">
+              <a:rPr lang="en-GB" dirty="0">
                 <a:latin typeface="Bahnschrift" panose="020B0502040204020203" pitchFamily="34" charset="0"/>
               </a:rPr>
               <a:t> footprint and weight</a:t>
@@ -21630,38 +20517,11 @@
               </a:buClr>
             </a:pPr>
             <a:r>
-              <a:rPr lang="en-US" dirty="0">
+              <a:rPr lang="en-GB" dirty="0">
                 <a:latin typeface="Bahnschrift" panose="020B0502040204020203" pitchFamily="34" charset="0"/>
               </a:rPr>
-              <a:t>More design variables   </a:t>
-            </a:r>
-            <a:r>
-              <a:rPr lang="es-ES" dirty="0">
-                <a:latin typeface="Bahnschrift" panose="020B0502040204020203" pitchFamily="34" charset="0"/>
-              </a:rPr>
-              <a:t>➤   </a:t>
-            </a:r>
-            <a:r>
-              <a:rPr lang="es-ES" dirty="0" err="1">
-                <a:latin typeface="Bahnschrift" panose="020B0502040204020203" pitchFamily="34" charset="0"/>
-              </a:rPr>
-              <a:t>Longer</a:t>
-            </a:r>
-            <a:r>
-              <a:rPr lang="es-ES" dirty="0">
-                <a:latin typeface="Bahnschrift" panose="020B0502040204020203" pitchFamily="34" charset="0"/>
-              </a:rPr>
-              <a:t> </a:t>
-            </a:r>
-            <a:r>
-              <a:rPr lang="es-ES" dirty="0" err="1">
-                <a:latin typeface="Bahnschrift" panose="020B0502040204020203" pitchFamily="34" charset="0"/>
-              </a:rPr>
-              <a:t>optimization</a:t>
-            </a:r>
-            <a:endParaRPr lang="en-GB" dirty="0">
-              <a:latin typeface="Bahnschrift" panose="020B0502040204020203" pitchFamily="34" charset="0"/>
-            </a:endParaRPr>
+              <a:t>More design variables   ➤   Longer optimization</a:t>
+            </a:r>
           </a:p>
           <a:p>
             <a:pPr>
@@ -21935,7 +20795,7 @@
               <a:defRPr/>
             </a:pPr>
             <a:r>
-              <a:rPr kumimoji="0" lang="es-ES" sz="1600" b="0" i="0" u="none" strike="noStrike" kern="1200" cap="none" spc="0" normalizeH="0" baseline="0" noProof="0" dirty="0">
+              <a:rPr kumimoji="0" lang="en-GB" sz="1600" b="0" i="0" u="none" strike="noStrike" kern="1200" cap="none" spc="0" normalizeH="0" baseline="0" noProof="0">
                 <a:ln>
                   <a:noFill/>
                 </a:ln>
@@ -21954,6 +20814,23 @@
               </a:rPr>
               <a:t>Víctor M. GUADAÑO MARTÍN</a:t>
             </a:r>
+            <a:endParaRPr kumimoji="0" lang="en-GB" sz="1600" b="0" i="0" u="none" strike="noStrike" kern="1200" cap="none" spc="0" normalizeH="0" baseline="0" noProof="0" dirty="0">
+              <a:ln>
+                <a:noFill/>
+              </a:ln>
+              <a:solidFill>
+                <a:srgbClr val="000000">
+                  <a:lumMod val="85000"/>
+                  <a:lumOff val="15000"/>
+                </a:srgbClr>
+              </a:solidFill>
+              <a:effectLst/>
+              <a:uLnTx/>
+              <a:uFillTx/>
+              <a:latin typeface="Gill Sans MT" panose="020B0502020104020203"/>
+              <a:ea typeface="+mn-ea"/>
+              <a:cs typeface="+mn-cs"/>
+            </a:endParaRPr>
           </a:p>
         </p:txBody>
       </p:sp>
@@ -21979,11 +20856,11 @@
           <a:lstStyle/>
           <a:p>
             <a:fld id="{8A7A6979-0714-4377-B894-6BE4C2D6E202}" type="slidenum">
-              <a:rPr lang="en-US" smtClean="0"/>
+              <a:rPr lang="en-GB" smtClean="0"/>
               <a:pPr/>
               <a:t>9</a:t>
             </a:fld>
-            <a:endParaRPr lang="en-US" dirty="0"/>
+            <a:endParaRPr lang="en-GB" dirty="0"/>
           </a:p>
         </p:txBody>
       </p:sp>
@@ -22286,7 +21163,7 @@
               <a:defRPr/>
             </a:pPr>
             <a:r>
-              <a:rPr lang="es-ES" sz="1600" dirty="0">
+              <a:rPr lang="en-GB" sz="1600">
                 <a:solidFill>
                   <a:srgbClr val="000000">
                     <a:lumMod val="85000"/>
@@ -22297,7 +21174,7 @@
               </a:rPr>
               <a:t>HALE AEROECODESIGN</a:t>
             </a:r>
-            <a:endParaRPr kumimoji="0" lang="es-ES" sz="1600" b="0" i="0" u="none" strike="noStrike" kern="1200" cap="none" spc="0" normalizeH="0" baseline="0" noProof="0" dirty="0">
+            <a:endParaRPr kumimoji="0" lang="en-GB" sz="1600" b="0" i="0" u="none" strike="noStrike" kern="1200" cap="none" spc="0" normalizeH="0" baseline="0" noProof="0" dirty="0">
               <a:ln>
                 <a:noFill/>
               </a:ln>
